--- a/Slides_Conteudo_de_Referencia/07_Camada-Persistencia-v2.pptx
+++ b/Slides_Conteudo_de_Referencia/07_Camada-Persistencia-v2.pptx
@@ -16,9 +16,9 @@
     <p:sldId id="278" r:id="rId7"/>
     <p:sldId id="285" r:id="rId8"/>
     <p:sldId id="286" r:id="rId9"/>
-    <p:sldId id="287" r:id="rId10"/>
-    <p:sldId id="288" r:id="rId11"/>
-    <p:sldId id="291" r:id="rId12"/>
+    <p:sldId id="288" r:id="rId10"/>
+    <p:sldId id="291" r:id="rId11"/>
+    <p:sldId id="287" r:id="rId12"/>
     <p:sldId id="292" r:id="rId13"/>
     <p:sldId id="289" r:id="rId14"/>
     <p:sldId id="290" r:id="rId15"/>
@@ -128,7 +128,7 @@
   </p:defaultTextStyle>
   <p:extLst>
     <p:ext uri="{EFAFB233-063F-42B5-8137-9DF3F51BA10A}">
-      <p15:sldGuideLst xmlns:p15="http://schemas.microsoft.com/office/powerpoint/2012/main">
+      <p15:sldGuideLst xmlns:p15="http://schemas.microsoft.com/office/powerpoint/2012/main" xmlns="">
         <p15:guide id="1" orient="horz" pos="1800">
           <p15:clr>
             <a:srgbClr val="A4A3A4"/>
@@ -1855,6 +1855,13 @@
         </dgm:presLayoutVars>
       </dgm:prSet>
       <dgm:spPr/>
+      <dgm:t>
+        <a:bodyPr/>
+        <a:lstStyle/>
+        <a:p>
+          <a:endParaRPr lang="pt-BR"/>
+        </a:p>
+      </dgm:t>
     </dgm:pt>
     <dgm:pt modelId="{CD18F8D5-0379-4EEC-A23B-0AE0DEEE4603}" type="pres">
       <dgm:prSet presAssocID="{C1B9265B-2BF0-4E53-BB5F-7F10A966E7C1}" presName="parentLin" presStyleCnt="0"/>
@@ -1863,6 +1870,13 @@
     <dgm:pt modelId="{6A5B7EAC-7A90-4B27-A2C1-97ECA3FC5634}" type="pres">
       <dgm:prSet presAssocID="{C1B9265B-2BF0-4E53-BB5F-7F10A966E7C1}" presName="parentLeftMargin" presStyleLbl="node1" presStyleIdx="0" presStyleCnt="5"/>
       <dgm:spPr/>
+      <dgm:t>
+        <a:bodyPr/>
+        <a:lstStyle/>
+        <a:p>
+          <a:endParaRPr lang="pt-BR"/>
+        </a:p>
+      </dgm:t>
     </dgm:pt>
     <dgm:pt modelId="{0B529C66-4278-4F16-ACCB-50802606961B}" type="pres">
       <dgm:prSet presAssocID="{C1B9265B-2BF0-4E53-BB5F-7F10A966E7C1}" presName="parentText" presStyleLbl="node1" presStyleIdx="0" presStyleCnt="5">
@@ -1903,6 +1917,13 @@
     <dgm:pt modelId="{A45D54E6-0A6E-45A9-B2F9-20B275CD6E8C}" type="pres">
       <dgm:prSet presAssocID="{0C8DD37C-A5B6-4986-9687-083FCF8993D5}" presName="parentLeftMargin" presStyleLbl="node1" presStyleIdx="0" presStyleCnt="5"/>
       <dgm:spPr/>
+      <dgm:t>
+        <a:bodyPr/>
+        <a:lstStyle/>
+        <a:p>
+          <a:endParaRPr lang="pt-BR"/>
+        </a:p>
+      </dgm:t>
     </dgm:pt>
     <dgm:pt modelId="{931F7F8B-E4C9-40B0-9433-786F0E3A8127}" type="pres">
       <dgm:prSet presAssocID="{0C8DD37C-A5B6-4986-9687-083FCF8993D5}" presName="parentText" presStyleLbl="node1" presStyleIdx="1" presStyleCnt="5">
@@ -1912,6 +1933,13 @@
         </dgm:presLayoutVars>
       </dgm:prSet>
       <dgm:spPr/>
+      <dgm:t>
+        <a:bodyPr/>
+        <a:lstStyle/>
+        <a:p>
+          <a:endParaRPr lang="pt-BR"/>
+        </a:p>
+      </dgm:t>
     </dgm:pt>
     <dgm:pt modelId="{BB1D4019-25A5-4753-A039-F6FB44ACCA44}" type="pres">
       <dgm:prSet presAssocID="{0C8DD37C-A5B6-4986-9687-083FCF8993D5}" presName="negativeSpace" presStyleCnt="0"/>
@@ -1936,6 +1964,13 @@
     <dgm:pt modelId="{A955251F-AF0A-440F-9CD0-8C34BC081801}" type="pres">
       <dgm:prSet presAssocID="{CE41063D-03DA-4476-99C4-E7C3569A15A1}" presName="parentLeftMargin" presStyleLbl="node1" presStyleIdx="1" presStyleCnt="5"/>
       <dgm:spPr/>
+      <dgm:t>
+        <a:bodyPr/>
+        <a:lstStyle/>
+        <a:p>
+          <a:endParaRPr lang="pt-BR"/>
+        </a:p>
+      </dgm:t>
     </dgm:pt>
     <dgm:pt modelId="{25D93964-14BB-4AA4-ACDA-BEE35D294404}" type="pres">
       <dgm:prSet presAssocID="{CE41063D-03DA-4476-99C4-E7C3569A15A1}" presName="parentText" presStyleLbl="node1" presStyleIdx="2" presStyleCnt="5">
@@ -1945,6 +1980,13 @@
         </dgm:presLayoutVars>
       </dgm:prSet>
       <dgm:spPr/>
+      <dgm:t>
+        <a:bodyPr/>
+        <a:lstStyle/>
+        <a:p>
+          <a:endParaRPr lang="pt-BR"/>
+        </a:p>
+      </dgm:t>
     </dgm:pt>
     <dgm:pt modelId="{5CB5F9A2-195E-4D11-8ED7-226FB943D6DF}" type="pres">
       <dgm:prSet presAssocID="{CE41063D-03DA-4476-99C4-E7C3569A15A1}" presName="negativeSpace" presStyleCnt="0"/>
@@ -1969,6 +2011,13 @@
     <dgm:pt modelId="{DE203AA1-66B3-4248-BAF2-DB43F29FFA6A}" type="pres">
       <dgm:prSet presAssocID="{C3A0C489-F2A2-4968-8FC2-3219BC658DD3}" presName="parentLeftMargin" presStyleLbl="node1" presStyleIdx="2" presStyleCnt="5"/>
       <dgm:spPr/>
+      <dgm:t>
+        <a:bodyPr/>
+        <a:lstStyle/>
+        <a:p>
+          <a:endParaRPr lang="pt-BR"/>
+        </a:p>
+      </dgm:t>
     </dgm:pt>
     <dgm:pt modelId="{E85B15F6-D91D-4F0F-A9DD-B92317C2F6C8}" type="pres">
       <dgm:prSet presAssocID="{C3A0C489-F2A2-4968-8FC2-3219BC658DD3}" presName="parentText" presStyleLbl="node1" presStyleIdx="3" presStyleCnt="5">
@@ -1978,6 +2027,13 @@
         </dgm:presLayoutVars>
       </dgm:prSet>
       <dgm:spPr/>
+      <dgm:t>
+        <a:bodyPr/>
+        <a:lstStyle/>
+        <a:p>
+          <a:endParaRPr lang="pt-BR"/>
+        </a:p>
+      </dgm:t>
     </dgm:pt>
     <dgm:pt modelId="{77E22840-7151-4D9E-9B46-C948AA5E3403}" type="pres">
       <dgm:prSet presAssocID="{C3A0C489-F2A2-4968-8FC2-3219BC658DD3}" presName="negativeSpace" presStyleCnt="0"/>
@@ -2002,6 +2058,13 @@
     <dgm:pt modelId="{9918DFE9-1FF2-4DCB-9267-CDB595012176}" type="pres">
       <dgm:prSet presAssocID="{CF53EFD6-9FCC-43E1-A4B3-AF49EA74E4F4}" presName="parentLeftMargin" presStyleLbl="node1" presStyleIdx="3" presStyleCnt="5"/>
       <dgm:spPr/>
+      <dgm:t>
+        <a:bodyPr/>
+        <a:lstStyle/>
+        <a:p>
+          <a:endParaRPr lang="pt-BR"/>
+        </a:p>
+      </dgm:t>
     </dgm:pt>
     <dgm:pt modelId="{330D8D8E-ED59-4B22-9F3D-32C063E2A8A1}" type="pres">
       <dgm:prSet presAssocID="{CF53EFD6-9FCC-43E1-A4B3-AF49EA74E4F4}" presName="parentText" presStyleLbl="node1" presStyleIdx="4" presStyleCnt="5">
@@ -2011,6 +2074,13 @@
         </dgm:presLayoutVars>
       </dgm:prSet>
       <dgm:spPr/>
+      <dgm:t>
+        <a:bodyPr/>
+        <a:lstStyle/>
+        <a:p>
+          <a:endParaRPr lang="pt-BR"/>
+        </a:p>
+      </dgm:t>
     </dgm:pt>
     <dgm:pt modelId="{BF40BFB6-0200-45DD-A837-3565DD43EC8B}" type="pres">
       <dgm:prSet presAssocID="{CF53EFD6-9FCC-43E1-A4B3-AF49EA74E4F4}" presName="negativeSpace" presStyleCnt="0"/>
@@ -2026,22 +2096,22 @@
     </dgm:pt>
   </dgm:ptLst>
   <dgm:cxnLst>
+    <dgm:cxn modelId="{329F0C21-7565-470F-BDE6-5622A0271102}" srcId="{F9C06C90-193E-499E-941E-9378AA345C97}" destId="{CE41063D-03DA-4476-99C4-E7C3569A15A1}" srcOrd="2" destOrd="0" parTransId="{525BB942-C884-439E-B069-844777FCC765}" sibTransId="{774AEA3F-9389-40CC-8152-FC9B297664DD}"/>
+    <dgm:cxn modelId="{B71FC368-F412-4557-8B6A-4BA5509FA036}" type="presOf" srcId="{C3A0C489-F2A2-4968-8FC2-3219BC658DD3}" destId="{DE203AA1-66B3-4248-BAF2-DB43F29FFA6A}" srcOrd="0" destOrd="0" presId="urn:microsoft.com/office/officeart/2005/8/layout/list1"/>
+    <dgm:cxn modelId="{C9E1FA7B-4213-4999-B116-D20F9AF1376D}" type="presOf" srcId="{0C8DD37C-A5B6-4986-9687-083FCF8993D5}" destId="{931F7F8B-E4C9-40B0-9433-786F0E3A8127}" srcOrd="1" destOrd="0" presId="urn:microsoft.com/office/officeart/2005/8/layout/list1"/>
+    <dgm:cxn modelId="{D5E4A521-BFA0-4976-A8F9-6D84729D8748}" srcId="{F9C06C90-193E-499E-941E-9378AA345C97}" destId="{CF53EFD6-9FCC-43E1-A4B3-AF49EA74E4F4}" srcOrd="4" destOrd="0" parTransId="{7E478719-AA7E-4FE4-9DAC-003D1DD25AC9}" sibTransId="{B6AE4CF8-3793-471F-80EC-6723A0DF87FF}"/>
+    <dgm:cxn modelId="{27EE4B0C-0051-4D8B-BD9A-7B7578EF2F49}" type="presOf" srcId="{0C8DD37C-A5B6-4986-9687-083FCF8993D5}" destId="{A45D54E6-0A6E-45A9-B2F9-20B275CD6E8C}" srcOrd="0" destOrd="0" presId="urn:microsoft.com/office/officeart/2005/8/layout/list1"/>
+    <dgm:cxn modelId="{8295930C-0146-41A3-A997-57A8358C1F22}" type="presOf" srcId="{C3A0C489-F2A2-4968-8FC2-3219BC658DD3}" destId="{E85B15F6-D91D-4F0F-A9DD-B92317C2F6C8}" srcOrd="1" destOrd="0" presId="urn:microsoft.com/office/officeart/2005/8/layout/list1"/>
+    <dgm:cxn modelId="{F7C854E7-A2AB-4311-9164-6CB99F7DBAE2}" type="presOf" srcId="{CF53EFD6-9FCC-43E1-A4B3-AF49EA74E4F4}" destId="{330D8D8E-ED59-4B22-9F3D-32C063E2A8A1}" srcOrd="1" destOrd="0" presId="urn:microsoft.com/office/officeart/2005/8/layout/list1"/>
+    <dgm:cxn modelId="{1071C6AE-80A1-4836-94C4-B086D289420F}" srcId="{F9C06C90-193E-499E-941E-9378AA345C97}" destId="{C1B9265B-2BF0-4E53-BB5F-7F10A966E7C1}" srcOrd="0" destOrd="0" parTransId="{29B94F21-0A2D-4E23-AFF3-9EB2E0324222}" sibTransId="{5A4D4940-FA34-4AC4-9197-10D1E4409095}"/>
+    <dgm:cxn modelId="{2667A157-41A8-4F78-95A5-F5151F6B2DA0}" type="presOf" srcId="{CE41063D-03DA-4476-99C4-E7C3569A15A1}" destId="{25D93964-14BB-4AA4-ACDA-BEE35D294404}" srcOrd="1" destOrd="0" presId="urn:microsoft.com/office/officeart/2005/8/layout/list1"/>
+    <dgm:cxn modelId="{8945CB09-1316-44A9-96FA-22234A1AC2CE}" type="presOf" srcId="{CF53EFD6-9FCC-43E1-A4B3-AF49EA74E4F4}" destId="{9918DFE9-1FF2-4DCB-9267-CDB595012176}" srcOrd="0" destOrd="0" presId="urn:microsoft.com/office/officeart/2005/8/layout/list1"/>
+    <dgm:cxn modelId="{E9D8D921-30BF-4064-A016-7DBBFDA2512E}" srcId="{F9C06C90-193E-499E-941E-9378AA345C97}" destId="{C3A0C489-F2A2-4968-8FC2-3219BC658DD3}" srcOrd="3" destOrd="0" parTransId="{A8EF32E4-0034-4B64-A198-523C667FA563}" sibTransId="{526E3726-9C3B-4A4E-809B-D7752977D3AE}"/>
     <dgm:cxn modelId="{2FA1368A-1F73-491B-8675-1826810A2C45}" type="presOf" srcId="{F9C06C90-193E-499E-941E-9378AA345C97}" destId="{DB851D89-C005-4E3A-A78C-D289B95A759A}" srcOrd="0" destOrd="0" presId="urn:microsoft.com/office/officeart/2005/8/layout/list1"/>
-    <dgm:cxn modelId="{E9D8D921-30BF-4064-A016-7DBBFDA2512E}" srcId="{F9C06C90-193E-499E-941E-9378AA345C97}" destId="{C3A0C489-F2A2-4968-8FC2-3219BC658DD3}" srcOrd="3" destOrd="0" parTransId="{A8EF32E4-0034-4B64-A198-523C667FA563}" sibTransId="{526E3726-9C3B-4A4E-809B-D7752977D3AE}"/>
-    <dgm:cxn modelId="{2667A157-41A8-4F78-95A5-F5151F6B2DA0}" type="presOf" srcId="{CE41063D-03DA-4476-99C4-E7C3569A15A1}" destId="{25D93964-14BB-4AA4-ACDA-BEE35D294404}" srcOrd="1" destOrd="0" presId="urn:microsoft.com/office/officeart/2005/8/layout/list1"/>
-    <dgm:cxn modelId="{C9E1FA7B-4213-4999-B116-D20F9AF1376D}" type="presOf" srcId="{0C8DD37C-A5B6-4986-9687-083FCF8993D5}" destId="{931F7F8B-E4C9-40B0-9433-786F0E3A8127}" srcOrd="1" destOrd="0" presId="urn:microsoft.com/office/officeart/2005/8/layout/list1"/>
-    <dgm:cxn modelId="{B71FC368-F412-4557-8B6A-4BA5509FA036}" type="presOf" srcId="{C3A0C489-F2A2-4968-8FC2-3219BC658DD3}" destId="{DE203AA1-66B3-4248-BAF2-DB43F29FFA6A}" srcOrd="0" destOrd="0" presId="urn:microsoft.com/office/officeart/2005/8/layout/list1"/>
-    <dgm:cxn modelId="{1071C6AE-80A1-4836-94C4-B086D289420F}" srcId="{F9C06C90-193E-499E-941E-9378AA345C97}" destId="{C1B9265B-2BF0-4E53-BB5F-7F10A966E7C1}" srcOrd="0" destOrd="0" parTransId="{29B94F21-0A2D-4E23-AFF3-9EB2E0324222}" sibTransId="{5A4D4940-FA34-4AC4-9197-10D1E4409095}"/>
-    <dgm:cxn modelId="{D5E4A521-BFA0-4976-A8F9-6D84729D8748}" srcId="{F9C06C90-193E-499E-941E-9378AA345C97}" destId="{CF53EFD6-9FCC-43E1-A4B3-AF49EA74E4F4}" srcOrd="4" destOrd="0" parTransId="{7E478719-AA7E-4FE4-9DAC-003D1DD25AC9}" sibTransId="{B6AE4CF8-3793-471F-80EC-6723A0DF87FF}"/>
-    <dgm:cxn modelId="{F7C854E7-A2AB-4311-9164-6CB99F7DBAE2}" type="presOf" srcId="{CF53EFD6-9FCC-43E1-A4B3-AF49EA74E4F4}" destId="{330D8D8E-ED59-4B22-9F3D-32C063E2A8A1}" srcOrd="1" destOrd="0" presId="urn:microsoft.com/office/officeart/2005/8/layout/list1"/>
     <dgm:cxn modelId="{399CA6DD-D8AE-4D27-BBE4-B190E0C81CBF}" srcId="{F9C06C90-193E-499E-941E-9378AA345C97}" destId="{0C8DD37C-A5B6-4986-9687-083FCF8993D5}" srcOrd="1" destOrd="0" parTransId="{96BD0F07-8B37-4A69-AB88-E951867FA68C}" sibTransId="{6888FF1F-CFB7-4568-B2A5-ABB1F0E08B5A}"/>
     <dgm:cxn modelId="{D1E94FB9-41DF-4B97-8D27-29DC3CABDF6B}" type="presOf" srcId="{C1B9265B-2BF0-4E53-BB5F-7F10A966E7C1}" destId="{6A5B7EAC-7A90-4B27-A2C1-97ECA3FC5634}" srcOrd="0" destOrd="0" presId="urn:microsoft.com/office/officeart/2005/8/layout/list1"/>
+    <dgm:cxn modelId="{C84A5071-5CFB-4A19-BAA4-480E04BF0539}" type="presOf" srcId="{C1B9265B-2BF0-4E53-BB5F-7F10A966E7C1}" destId="{0B529C66-4278-4F16-ACCB-50802606961B}" srcOrd="1" destOrd="0" presId="urn:microsoft.com/office/officeart/2005/8/layout/list1"/>
     <dgm:cxn modelId="{0179A6F0-1BD9-4B8D-92C4-0C151EC213D1}" type="presOf" srcId="{CE41063D-03DA-4476-99C4-E7C3569A15A1}" destId="{A955251F-AF0A-440F-9CD0-8C34BC081801}" srcOrd="0" destOrd="0" presId="urn:microsoft.com/office/officeart/2005/8/layout/list1"/>
-    <dgm:cxn modelId="{C84A5071-5CFB-4A19-BAA4-480E04BF0539}" type="presOf" srcId="{C1B9265B-2BF0-4E53-BB5F-7F10A966E7C1}" destId="{0B529C66-4278-4F16-ACCB-50802606961B}" srcOrd="1" destOrd="0" presId="urn:microsoft.com/office/officeart/2005/8/layout/list1"/>
-    <dgm:cxn modelId="{8945CB09-1316-44A9-96FA-22234A1AC2CE}" type="presOf" srcId="{CF53EFD6-9FCC-43E1-A4B3-AF49EA74E4F4}" destId="{9918DFE9-1FF2-4DCB-9267-CDB595012176}" srcOrd="0" destOrd="0" presId="urn:microsoft.com/office/officeart/2005/8/layout/list1"/>
-    <dgm:cxn modelId="{27EE4B0C-0051-4D8B-BD9A-7B7578EF2F49}" type="presOf" srcId="{0C8DD37C-A5B6-4986-9687-083FCF8993D5}" destId="{A45D54E6-0A6E-45A9-B2F9-20B275CD6E8C}" srcOrd="0" destOrd="0" presId="urn:microsoft.com/office/officeart/2005/8/layout/list1"/>
-    <dgm:cxn modelId="{329F0C21-7565-470F-BDE6-5622A0271102}" srcId="{F9C06C90-193E-499E-941E-9378AA345C97}" destId="{CE41063D-03DA-4476-99C4-E7C3569A15A1}" srcOrd="2" destOrd="0" parTransId="{525BB942-C884-439E-B069-844777FCC765}" sibTransId="{774AEA3F-9389-40CC-8152-FC9B297664DD}"/>
-    <dgm:cxn modelId="{8295930C-0146-41A3-A997-57A8358C1F22}" type="presOf" srcId="{C3A0C489-F2A2-4968-8FC2-3219BC658DD3}" destId="{E85B15F6-D91D-4F0F-A9DD-B92317C2F6C8}" srcOrd="1" destOrd="0" presId="urn:microsoft.com/office/officeart/2005/8/layout/list1"/>
     <dgm:cxn modelId="{B38B74EF-50FB-423D-90D6-616BCC5B06BE}" type="presParOf" srcId="{DB851D89-C005-4E3A-A78C-D289B95A759A}" destId="{CD18F8D5-0379-4EEC-A23B-0AE0DEEE4603}" srcOrd="0" destOrd="0" presId="urn:microsoft.com/office/officeart/2005/8/layout/list1"/>
     <dgm:cxn modelId="{54BD9503-D490-4EC6-B8BD-5BD1D8C99C82}" type="presParOf" srcId="{CD18F8D5-0379-4EEC-A23B-0AE0DEEE4603}" destId="{6A5B7EAC-7A90-4B27-A2C1-97ECA3FC5634}" srcOrd="0" destOrd="0" presId="urn:microsoft.com/office/officeart/2005/8/layout/list1"/>
     <dgm:cxn modelId="{6C3AF297-FB12-44FA-99D4-15F4CC9AF4B9}" type="presParOf" srcId="{CD18F8D5-0379-4EEC-A23B-0AE0DEEE4603}" destId="{0B529C66-4278-4F16-ACCB-50802606961B}" srcOrd="1" destOrd="0" presId="urn:microsoft.com/office/officeart/2005/8/layout/list1"/>
@@ -2076,7 +2146,7 @@
   <dgm:whole/>
   <dgm:extLst>
     <a:ext uri="http://schemas.microsoft.com/office/drawing/2008/diagram">
-      <dsp:dataModelExt xmlns:dsp="http://schemas.microsoft.com/office/drawing/2008/diagram" relId="rId9" minVer="http://schemas.openxmlformats.org/drawingml/2006/diagram"/>
+      <dsp:dataModelExt xmlns:dsp="http://schemas.microsoft.com/office/drawing/2008/diagram" xmlns="" relId="rId9" minVer="http://schemas.openxmlformats.org/drawingml/2006/diagram"/>
     </a:ext>
   </dgm:extLst>
 </dgm:dataModel>
@@ -2256,6 +2326,13 @@
         </dgm:presLayoutVars>
       </dgm:prSet>
       <dgm:spPr/>
+      <dgm:t>
+        <a:bodyPr/>
+        <a:lstStyle/>
+        <a:p>
+          <a:endParaRPr lang="pt-BR"/>
+        </a:p>
+      </dgm:t>
     </dgm:pt>
     <dgm:pt modelId="{CF1373BF-AA03-4653-806E-A4B3457F9801}" type="pres">
       <dgm:prSet presAssocID="{F6223B53-CE82-478A-BEB8-BA7FDCFD778D}" presName="parentText" presStyleLbl="node1" presStyleIdx="0" presStyleCnt="4">
@@ -2265,6 +2342,13 @@
         </dgm:presLayoutVars>
       </dgm:prSet>
       <dgm:spPr/>
+      <dgm:t>
+        <a:bodyPr/>
+        <a:lstStyle/>
+        <a:p>
+          <a:endParaRPr lang="pt-BR"/>
+        </a:p>
+      </dgm:t>
     </dgm:pt>
     <dgm:pt modelId="{D585F497-58B4-4752-917E-C21E2DCC7EA6}" type="pres">
       <dgm:prSet presAssocID="{48ECFD2E-48F7-4D40-BE76-2FE63A4844EE}" presName="spacer" presStyleCnt="0"/>
@@ -2278,6 +2362,13 @@
         </dgm:presLayoutVars>
       </dgm:prSet>
       <dgm:spPr/>
+      <dgm:t>
+        <a:bodyPr/>
+        <a:lstStyle/>
+        <a:p>
+          <a:endParaRPr lang="pt-BR"/>
+        </a:p>
+      </dgm:t>
     </dgm:pt>
     <dgm:pt modelId="{62A99E22-CE48-47B5-B6B4-EC2DCF001066}" type="pres">
       <dgm:prSet presAssocID="{6AA3075B-3A8B-4234-A837-C49D996C3441}" presName="spacer" presStyleCnt="0"/>
@@ -2291,6 +2382,13 @@
         </dgm:presLayoutVars>
       </dgm:prSet>
       <dgm:spPr/>
+      <dgm:t>
+        <a:bodyPr/>
+        <a:lstStyle/>
+        <a:p>
+          <a:endParaRPr lang="pt-BR"/>
+        </a:p>
+      </dgm:t>
     </dgm:pt>
     <dgm:pt modelId="{620D9617-1B64-4C60-84CF-B3CB0592B909}" type="pres">
       <dgm:prSet presAssocID="{C6C30F41-EACD-4930-A0B8-C03142299EDD}" presName="spacer" presStyleCnt="0"/>
@@ -2304,18 +2402,25 @@
         </dgm:presLayoutVars>
       </dgm:prSet>
       <dgm:spPr/>
+      <dgm:t>
+        <a:bodyPr/>
+        <a:lstStyle/>
+        <a:p>
+          <a:endParaRPr lang="pt-BR"/>
+        </a:p>
+      </dgm:t>
     </dgm:pt>
   </dgm:ptLst>
   <dgm:cxnLst>
-    <dgm:cxn modelId="{4D6645D4-2761-401E-8461-77B80F6366C5}" type="presOf" srcId="{F6223B53-CE82-478A-BEB8-BA7FDCFD778D}" destId="{CF1373BF-AA03-4653-806E-A4B3457F9801}" srcOrd="0" destOrd="0" presId="urn:microsoft.com/office/officeart/2005/8/layout/vList2"/>
+    <dgm:cxn modelId="{3565C4F7-1870-4E12-A726-5E40D7D6FE97}" type="presOf" srcId="{A6BB327B-1F9D-4A2E-BCAC-BF185BFE8AE4}" destId="{18CF02B0-C1F1-464C-8F02-49EABD191C11}" srcOrd="0" destOrd="0" presId="urn:microsoft.com/office/officeart/2005/8/layout/vList2"/>
     <dgm:cxn modelId="{19ECD979-076B-407F-B8C3-F8064BF4ABD1}" srcId="{86E61347-4777-493D-B807-980C560E4A74}" destId="{A6BB327B-1F9D-4A2E-BCAC-BF185BFE8AE4}" srcOrd="2" destOrd="0" parTransId="{67F76B62-2498-4D05-9DA7-1A98F277BC02}" sibTransId="{C6C30F41-EACD-4930-A0B8-C03142299EDD}"/>
     <dgm:cxn modelId="{BAC0E197-5899-4C58-836B-4E173776A00E}" type="presOf" srcId="{2B97FA9A-77B0-40CA-8B71-0ECF42281ADA}" destId="{D53872E5-1E69-44ED-A140-4CD40091115D}" srcOrd="0" destOrd="0" presId="urn:microsoft.com/office/officeart/2005/8/layout/vList2"/>
+    <dgm:cxn modelId="{2B6A8C49-2448-41DD-ACF8-32DA3BC64EC4}" srcId="{86E61347-4777-493D-B807-980C560E4A74}" destId="{2B97FA9A-77B0-40CA-8B71-0ECF42281ADA}" srcOrd="1" destOrd="0" parTransId="{3E8BB4B3-A2FA-4656-8BA0-6A78F818C753}" sibTransId="{6AA3075B-3A8B-4234-A837-C49D996C3441}"/>
+    <dgm:cxn modelId="{259FBEA1-5ECF-4A0B-9AD3-6262AB5AAEF7}" srcId="{86E61347-4777-493D-B807-980C560E4A74}" destId="{F6223B53-CE82-478A-BEB8-BA7FDCFD778D}" srcOrd="0" destOrd="0" parTransId="{ED4ED3BB-51B6-40DF-80BE-0E192244581A}" sibTransId="{48ECFD2E-48F7-4D40-BE76-2FE63A4844EE}"/>
+    <dgm:cxn modelId="{4D6645D4-2761-401E-8461-77B80F6366C5}" type="presOf" srcId="{F6223B53-CE82-478A-BEB8-BA7FDCFD778D}" destId="{CF1373BF-AA03-4653-806E-A4B3457F9801}" srcOrd="0" destOrd="0" presId="urn:microsoft.com/office/officeart/2005/8/layout/vList2"/>
     <dgm:cxn modelId="{AB7E1FF6-4EB2-4039-85EB-CBCF495F810E}" type="presOf" srcId="{86E61347-4777-493D-B807-980C560E4A74}" destId="{51FCD956-493E-4141-8A0B-A15BC1CF76F5}" srcOrd="0" destOrd="0" presId="urn:microsoft.com/office/officeart/2005/8/layout/vList2"/>
-    <dgm:cxn modelId="{2B6A8C49-2448-41DD-ACF8-32DA3BC64EC4}" srcId="{86E61347-4777-493D-B807-980C560E4A74}" destId="{2B97FA9A-77B0-40CA-8B71-0ECF42281ADA}" srcOrd="1" destOrd="0" parTransId="{3E8BB4B3-A2FA-4656-8BA0-6A78F818C753}" sibTransId="{6AA3075B-3A8B-4234-A837-C49D996C3441}"/>
     <dgm:cxn modelId="{D351CE51-62CF-48C0-BFAC-05FC4630F88E}" type="presOf" srcId="{2C6715CA-B16B-4F9C-A82C-7C18B3BA2941}" destId="{6A773C51-7F7D-42F3-AB1A-433614AAA78F}" srcOrd="0" destOrd="0" presId="urn:microsoft.com/office/officeart/2005/8/layout/vList2"/>
     <dgm:cxn modelId="{B4C697AA-3356-4A91-B47A-073788BD8ECF}" srcId="{86E61347-4777-493D-B807-980C560E4A74}" destId="{2C6715CA-B16B-4F9C-A82C-7C18B3BA2941}" srcOrd="3" destOrd="0" parTransId="{8C30DFD3-C495-4A9E-932D-1AF8628D608A}" sibTransId="{29B5EE41-B4BB-4953-8642-8A4E0E510EBF}"/>
-    <dgm:cxn modelId="{259FBEA1-5ECF-4A0B-9AD3-6262AB5AAEF7}" srcId="{86E61347-4777-493D-B807-980C560E4A74}" destId="{F6223B53-CE82-478A-BEB8-BA7FDCFD778D}" srcOrd="0" destOrd="0" parTransId="{ED4ED3BB-51B6-40DF-80BE-0E192244581A}" sibTransId="{48ECFD2E-48F7-4D40-BE76-2FE63A4844EE}"/>
-    <dgm:cxn modelId="{3565C4F7-1870-4E12-A726-5E40D7D6FE97}" type="presOf" srcId="{A6BB327B-1F9D-4A2E-BCAC-BF185BFE8AE4}" destId="{18CF02B0-C1F1-464C-8F02-49EABD191C11}" srcOrd="0" destOrd="0" presId="urn:microsoft.com/office/officeart/2005/8/layout/vList2"/>
     <dgm:cxn modelId="{208CB826-432A-44DB-A62D-C7542F64FA0D}" type="presParOf" srcId="{51FCD956-493E-4141-8A0B-A15BC1CF76F5}" destId="{CF1373BF-AA03-4653-806E-A4B3457F9801}" srcOrd="0" destOrd="0" presId="urn:microsoft.com/office/officeart/2005/8/layout/vList2"/>
     <dgm:cxn modelId="{60A3B878-83F9-417E-B8E3-122996B34170}" type="presParOf" srcId="{51FCD956-493E-4141-8A0B-A15BC1CF76F5}" destId="{D585F497-58B4-4752-917E-C21E2DCC7EA6}" srcOrd="1" destOrd="0" presId="urn:microsoft.com/office/officeart/2005/8/layout/vList2"/>
     <dgm:cxn modelId="{2ED32030-7896-4ED9-9AF0-29AEF73CC943}" type="presParOf" srcId="{51FCD956-493E-4141-8A0B-A15BC1CF76F5}" destId="{D53872E5-1E69-44ED-A140-4CD40091115D}" srcOrd="2" destOrd="0" presId="urn:microsoft.com/office/officeart/2005/8/layout/vList2"/>
@@ -2328,7 +2433,7 @@
   <dgm:whole/>
   <dgm:extLst>
     <a:ext uri="http://schemas.microsoft.com/office/drawing/2008/diagram">
-      <dsp:dataModelExt xmlns:dsp="http://schemas.microsoft.com/office/drawing/2008/diagram" relId="rId9" minVer="http://schemas.openxmlformats.org/drawingml/2006/diagram"/>
+      <dsp:dataModelExt xmlns:dsp="http://schemas.microsoft.com/office/drawing/2008/diagram" xmlns="" relId="rId9" minVer="http://schemas.openxmlformats.org/drawingml/2006/diagram"/>
     </a:ext>
   </dgm:extLst>
 </dgm:dataModel>
@@ -5845,7 +5950,8 @@
           <a:p>
             <a:fld id="{2C9A1903-0BF2-F745-A142-B9AFD4003DB8}" type="datetimeFigureOut">
               <a:rPr lang="en-US" smtClean="0"/>
-              <a:t>1/11/2019</a:t>
+              <a:pPr/>
+              <a:t>1/13/2019</a:t>
             </a:fld>
             <a:endParaRPr lang="en-US" dirty="0"/>
           </a:p>
@@ -6004,7 +6110,8 @@
           <a:p>
             <a:fld id="{586A4844-41CC-BF41-B519-0EA4C1275D22}" type="slidenum">
               <a:rPr lang="en-US" smtClean="0"/>
-              <a:t>‹#›</a:t>
+              <a:pPr/>
+              <a:t>‹nº›</a:t>
             </a:fld>
             <a:endParaRPr lang="en-US" dirty="0"/>
           </a:p>
@@ -6013,7 +6120,7 @@
     </p:spTree>
     <p:extLst>
       <p:ext uri="{BB962C8B-B14F-4D97-AF65-F5344CB8AC3E}">
-        <p14:creationId xmlns:p14="http://schemas.microsoft.com/office/powerpoint/2010/main" val="2735963652"/>
+        <p14:creationId xmlns:p14="http://schemas.microsoft.com/office/powerpoint/2010/main" xmlns="" val="2735963652"/>
       </p:ext>
     </p:extLst>
   </p:cSld>
@@ -6178,6 +6285,7 @@
           <a:p>
             <a:fld id="{586A4844-41CC-BF41-B519-0EA4C1275D22}" type="slidenum">
               <a:rPr lang="en-US" smtClean="0"/>
+              <a:pPr/>
               <a:t>1</a:t>
             </a:fld>
             <a:endParaRPr lang="en-US" dirty="0"/>
@@ -6187,7 +6295,7 @@
     </p:spTree>
     <p:extLst>
       <p:ext uri="{BB962C8B-B14F-4D97-AF65-F5344CB8AC3E}">
-        <p14:creationId xmlns:p14="http://schemas.microsoft.com/office/powerpoint/2010/main" val="119643621"/>
+        <p14:creationId xmlns:p14="http://schemas.microsoft.com/office/powerpoint/2010/main" xmlns="" val="119643621"/>
       </p:ext>
     </p:extLst>
   </p:cSld>
@@ -6279,6 +6387,7 @@
           <a:p>
             <a:fld id="{586A4844-41CC-BF41-B519-0EA4C1275D22}" type="slidenum">
               <a:rPr lang="en-US" smtClean="0"/>
+              <a:pPr/>
               <a:t>11</a:t>
             </a:fld>
             <a:endParaRPr lang="en-US" dirty="0"/>
@@ -6288,7 +6397,7 @@
     </p:spTree>
     <p:extLst>
       <p:ext uri="{BB962C8B-B14F-4D97-AF65-F5344CB8AC3E}">
-        <p14:creationId xmlns:p14="http://schemas.microsoft.com/office/powerpoint/2010/main" val="1315607166"/>
+        <p14:creationId xmlns:p14="http://schemas.microsoft.com/office/powerpoint/2010/main" xmlns="" val="2967474241"/>
       </p:ext>
     </p:extLst>
   </p:cSld>
@@ -6380,6 +6489,7 @@
           <a:p>
             <a:fld id="{586A4844-41CC-BF41-B519-0EA4C1275D22}" type="slidenum">
               <a:rPr lang="en-US" smtClean="0"/>
+              <a:pPr/>
               <a:t>12</a:t>
             </a:fld>
             <a:endParaRPr lang="en-US" dirty="0"/>
@@ -6389,7 +6499,7 @@
     </p:spTree>
     <p:extLst>
       <p:ext uri="{BB962C8B-B14F-4D97-AF65-F5344CB8AC3E}">
-        <p14:creationId xmlns:p14="http://schemas.microsoft.com/office/powerpoint/2010/main" val="2548127220"/>
+        <p14:creationId xmlns:p14="http://schemas.microsoft.com/office/powerpoint/2010/main" xmlns="" val="2548127220"/>
       </p:ext>
     </p:extLst>
   </p:cSld>
@@ -6481,6 +6591,7 @@
           <a:p>
             <a:fld id="{586A4844-41CC-BF41-B519-0EA4C1275D22}" type="slidenum">
               <a:rPr lang="en-US" smtClean="0"/>
+              <a:pPr/>
               <a:t>13</a:t>
             </a:fld>
             <a:endParaRPr lang="en-US" dirty="0"/>
@@ -6490,7 +6601,7 @@
     </p:spTree>
     <p:extLst>
       <p:ext uri="{BB962C8B-B14F-4D97-AF65-F5344CB8AC3E}">
-        <p14:creationId xmlns:p14="http://schemas.microsoft.com/office/powerpoint/2010/main" val="3970240789"/>
+        <p14:creationId xmlns:p14="http://schemas.microsoft.com/office/powerpoint/2010/main" xmlns="" val="3970240789"/>
       </p:ext>
     </p:extLst>
   </p:cSld>
@@ -6582,6 +6693,7 @@
           <a:p>
             <a:fld id="{586A4844-41CC-BF41-B519-0EA4C1275D22}" type="slidenum">
               <a:rPr lang="en-US" smtClean="0"/>
+              <a:pPr/>
               <a:t>14</a:t>
             </a:fld>
             <a:endParaRPr lang="en-US" dirty="0"/>
@@ -6591,7 +6703,7 @@
     </p:spTree>
     <p:extLst>
       <p:ext uri="{BB962C8B-B14F-4D97-AF65-F5344CB8AC3E}">
-        <p14:creationId xmlns:p14="http://schemas.microsoft.com/office/powerpoint/2010/main" val="2724490205"/>
+        <p14:creationId xmlns:p14="http://schemas.microsoft.com/office/powerpoint/2010/main" xmlns="" val="2724490205"/>
       </p:ext>
     </p:extLst>
   </p:cSld>
@@ -6683,6 +6795,7 @@
           <a:p>
             <a:fld id="{586A4844-41CC-BF41-B519-0EA4C1275D22}" type="slidenum">
               <a:rPr lang="en-US" smtClean="0"/>
+              <a:pPr/>
               <a:t>15</a:t>
             </a:fld>
             <a:endParaRPr lang="en-US" dirty="0"/>
@@ -6692,7 +6805,7 @@
     </p:spTree>
     <p:extLst>
       <p:ext uri="{BB962C8B-B14F-4D97-AF65-F5344CB8AC3E}">
-        <p14:creationId xmlns:p14="http://schemas.microsoft.com/office/powerpoint/2010/main" val="4201408480"/>
+        <p14:creationId xmlns:p14="http://schemas.microsoft.com/office/powerpoint/2010/main" xmlns="" val="4201408480"/>
       </p:ext>
     </p:extLst>
   </p:cSld>
@@ -6784,6 +6897,7 @@
           <a:p>
             <a:fld id="{586A4844-41CC-BF41-B519-0EA4C1275D22}" type="slidenum">
               <a:rPr lang="en-US" smtClean="0"/>
+              <a:pPr/>
               <a:t>16</a:t>
             </a:fld>
             <a:endParaRPr lang="en-US" dirty="0"/>
@@ -6793,7 +6907,7 @@
     </p:spTree>
     <p:extLst>
       <p:ext uri="{BB962C8B-B14F-4D97-AF65-F5344CB8AC3E}">
-        <p14:creationId xmlns:p14="http://schemas.microsoft.com/office/powerpoint/2010/main" val="1242663424"/>
+        <p14:creationId xmlns:p14="http://schemas.microsoft.com/office/powerpoint/2010/main" xmlns="" val="1242663424"/>
       </p:ext>
     </p:extLst>
   </p:cSld>
@@ -6876,6 +6990,7 @@
           <a:p>
             <a:fld id="{586A4844-41CC-BF41-B519-0EA4C1275D22}" type="slidenum">
               <a:rPr lang="en-US" smtClean="0"/>
+              <a:pPr/>
               <a:t>17</a:t>
             </a:fld>
             <a:endParaRPr lang="en-US" dirty="0"/>
@@ -6885,7 +7000,7 @@
     </p:spTree>
     <p:extLst>
       <p:ext uri="{BB962C8B-B14F-4D97-AF65-F5344CB8AC3E}">
-        <p14:creationId xmlns:p14="http://schemas.microsoft.com/office/powerpoint/2010/main" val="1531193978"/>
+        <p14:creationId xmlns:p14="http://schemas.microsoft.com/office/powerpoint/2010/main" xmlns="" val="1531193978"/>
       </p:ext>
     </p:extLst>
   </p:cSld>
@@ -6968,6 +7083,7 @@
           <a:p>
             <a:fld id="{586A4844-41CC-BF41-B519-0EA4C1275D22}" type="slidenum">
               <a:rPr lang="en-US" smtClean="0"/>
+              <a:pPr/>
               <a:t>18</a:t>
             </a:fld>
             <a:endParaRPr lang="en-US" dirty="0"/>
@@ -6977,7 +7093,7 @@
     </p:spTree>
     <p:extLst>
       <p:ext uri="{BB962C8B-B14F-4D97-AF65-F5344CB8AC3E}">
-        <p14:creationId xmlns:p14="http://schemas.microsoft.com/office/powerpoint/2010/main" val="4129895693"/>
+        <p14:creationId xmlns:p14="http://schemas.microsoft.com/office/powerpoint/2010/main" xmlns="" val="4129895693"/>
       </p:ext>
     </p:extLst>
   </p:cSld>
@@ -7060,6 +7176,7 @@
           <a:p>
             <a:fld id="{586A4844-41CC-BF41-B519-0EA4C1275D22}" type="slidenum">
               <a:rPr lang="en-US" smtClean="0"/>
+              <a:pPr/>
               <a:t>19</a:t>
             </a:fld>
             <a:endParaRPr lang="en-US" dirty="0"/>
@@ -7069,7 +7186,7 @@
     </p:spTree>
     <p:extLst>
       <p:ext uri="{BB962C8B-B14F-4D97-AF65-F5344CB8AC3E}">
-        <p14:creationId xmlns:p14="http://schemas.microsoft.com/office/powerpoint/2010/main" val="136869779"/>
+        <p14:creationId xmlns:p14="http://schemas.microsoft.com/office/powerpoint/2010/main" xmlns="" val="136869779"/>
       </p:ext>
     </p:extLst>
   </p:cSld>
@@ -7161,6 +7278,7 @@
           <a:p>
             <a:fld id="{586A4844-41CC-BF41-B519-0EA4C1275D22}" type="slidenum">
               <a:rPr lang="en-US" smtClean="0"/>
+              <a:pPr/>
               <a:t>3</a:t>
             </a:fld>
             <a:endParaRPr lang="en-US" dirty="0"/>
@@ -7170,7 +7288,7 @@
     </p:spTree>
     <p:extLst>
       <p:ext uri="{BB962C8B-B14F-4D97-AF65-F5344CB8AC3E}">
-        <p14:creationId xmlns:p14="http://schemas.microsoft.com/office/powerpoint/2010/main" val="3852207663"/>
+        <p14:creationId xmlns:p14="http://schemas.microsoft.com/office/powerpoint/2010/main" xmlns="" val="3852207663"/>
       </p:ext>
     </p:extLst>
   </p:cSld>
@@ -7262,6 +7380,7 @@
           <a:p>
             <a:fld id="{586A4844-41CC-BF41-B519-0EA4C1275D22}" type="slidenum">
               <a:rPr lang="en-US" smtClean="0"/>
+              <a:pPr/>
               <a:t>4</a:t>
             </a:fld>
             <a:endParaRPr lang="en-US" dirty="0"/>
@@ -7271,7 +7390,7 @@
     </p:spTree>
     <p:extLst>
       <p:ext uri="{BB962C8B-B14F-4D97-AF65-F5344CB8AC3E}">
-        <p14:creationId xmlns:p14="http://schemas.microsoft.com/office/powerpoint/2010/main" val="1553261992"/>
+        <p14:creationId xmlns:p14="http://schemas.microsoft.com/office/powerpoint/2010/main" xmlns="" val="1553261992"/>
       </p:ext>
     </p:extLst>
   </p:cSld>
@@ -7363,6 +7482,7 @@
           <a:p>
             <a:fld id="{586A4844-41CC-BF41-B519-0EA4C1275D22}" type="slidenum">
               <a:rPr lang="en-US" smtClean="0"/>
+              <a:pPr/>
               <a:t>5</a:t>
             </a:fld>
             <a:endParaRPr lang="en-US" dirty="0"/>
@@ -7372,7 +7492,7 @@
     </p:spTree>
     <p:extLst>
       <p:ext uri="{BB962C8B-B14F-4D97-AF65-F5344CB8AC3E}">
-        <p14:creationId xmlns:p14="http://schemas.microsoft.com/office/powerpoint/2010/main" val="2069221802"/>
+        <p14:creationId xmlns:p14="http://schemas.microsoft.com/office/powerpoint/2010/main" xmlns="" val="2069221802"/>
       </p:ext>
     </p:extLst>
   </p:cSld>
@@ -7478,6 +7598,7 @@
           <a:p>
             <a:fld id="{586A4844-41CC-BF41-B519-0EA4C1275D22}" type="slidenum">
               <a:rPr lang="en-US" smtClean="0"/>
+              <a:pPr/>
               <a:t>6</a:t>
             </a:fld>
             <a:endParaRPr lang="en-US" dirty="0"/>
@@ -7487,7 +7608,7 @@
     </p:spTree>
     <p:extLst>
       <p:ext uri="{BB962C8B-B14F-4D97-AF65-F5344CB8AC3E}">
-        <p14:creationId xmlns:p14="http://schemas.microsoft.com/office/powerpoint/2010/main" val="1864252915"/>
+        <p14:creationId xmlns:p14="http://schemas.microsoft.com/office/powerpoint/2010/main" xmlns="" val="1864252915"/>
       </p:ext>
     </p:extLst>
   </p:cSld>
@@ -7579,6 +7700,7 @@
           <a:p>
             <a:fld id="{586A4844-41CC-BF41-B519-0EA4C1275D22}" type="slidenum">
               <a:rPr lang="en-US" smtClean="0"/>
+              <a:pPr/>
               <a:t>7</a:t>
             </a:fld>
             <a:endParaRPr lang="en-US" dirty="0"/>
@@ -7588,7 +7710,7 @@
     </p:spTree>
     <p:extLst>
       <p:ext uri="{BB962C8B-B14F-4D97-AF65-F5344CB8AC3E}">
-        <p14:creationId xmlns:p14="http://schemas.microsoft.com/office/powerpoint/2010/main" val="669846318"/>
+        <p14:creationId xmlns:p14="http://schemas.microsoft.com/office/powerpoint/2010/main" xmlns="" val="669846318"/>
       </p:ext>
     </p:extLst>
   </p:cSld>
@@ -7680,6 +7802,7 @@
           <a:p>
             <a:fld id="{586A4844-41CC-BF41-B519-0EA4C1275D22}" type="slidenum">
               <a:rPr lang="en-US" smtClean="0"/>
+              <a:pPr/>
               <a:t>8</a:t>
             </a:fld>
             <a:endParaRPr lang="en-US" dirty="0"/>
@@ -7689,7 +7812,7 @@
     </p:spTree>
     <p:extLst>
       <p:ext uri="{BB962C8B-B14F-4D97-AF65-F5344CB8AC3E}">
-        <p14:creationId xmlns:p14="http://schemas.microsoft.com/office/powerpoint/2010/main" val="2900814460"/>
+        <p14:creationId xmlns:p14="http://schemas.microsoft.com/office/powerpoint/2010/main" xmlns="" val="2900814460"/>
       </p:ext>
     </p:extLst>
   </p:cSld>
@@ -7781,6 +7904,7 @@
           <a:p>
             <a:fld id="{586A4844-41CC-BF41-B519-0EA4C1275D22}" type="slidenum">
               <a:rPr lang="en-US" smtClean="0"/>
+              <a:pPr/>
               <a:t>9</a:t>
             </a:fld>
             <a:endParaRPr lang="en-US" dirty="0"/>
@@ -7790,7 +7914,7 @@
     </p:spTree>
     <p:extLst>
       <p:ext uri="{BB962C8B-B14F-4D97-AF65-F5344CB8AC3E}">
-        <p14:creationId xmlns:p14="http://schemas.microsoft.com/office/powerpoint/2010/main" val="2967474241"/>
+        <p14:creationId xmlns:p14="http://schemas.microsoft.com/office/powerpoint/2010/main" xmlns="" val="2851748457"/>
       </p:ext>
     </p:extLst>
   </p:cSld>
@@ -7882,6 +8006,7 @@
           <a:p>
             <a:fld id="{586A4844-41CC-BF41-B519-0EA4C1275D22}" type="slidenum">
               <a:rPr lang="en-US" smtClean="0"/>
+              <a:pPr/>
               <a:t>10</a:t>
             </a:fld>
             <a:endParaRPr lang="en-US" dirty="0"/>
@@ -7891,7 +8016,7 @@
     </p:spTree>
     <p:extLst>
       <p:ext uri="{BB962C8B-B14F-4D97-AF65-F5344CB8AC3E}">
-        <p14:creationId xmlns:p14="http://schemas.microsoft.com/office/powerpoint/2010/main" val="2851748457"/>
+        <p14:creationId xmlns:p14="http://schemas.microsoft.com/office/powerpoint/2010/main" xmlns="" val="1315607166"/>
       </p:ext>
     </p:extLst>
   </p:cSld>
@@ -8082,7 +8207,8 @@
           <a:p>
             <a:fld id="{2945E16F-4840-DE47-A3AB-5C9E0815BE1A}" type="datetimeFigureOut">
               <a:rPr lang="en-US" smtClean="0"/>
-              <a:t>1/11/2019</a:t>
+              <a:pPr/>
+              <a:t>1/13/2019</a:t>
             </a:fld>
             <a:endParaRPr lang="en-US" dirty="0"/>
           </a:p>
@@ -8124,7 +8250,8 @@
           <a:p>
             <a:fld id="{825CA4A4-722C-0545-B923-FC1AFF0745DC}" type="slidenum">
               <a:rPr lang="en-US" smtClean="0"/>
-              <a:t>‹#›</a:t>
+              <a:pPr/>
+              <a:t>‹nº›</a:t>
             </a:fld>
             <a:endParaRPr lang="en-US" dirty="0"/>
           </a:p>
@@ -8133,7 +8260,7 @@
     </p:spTree>
     <p:extLst>
       <p:ext uri="{BB962C8B-B14F-4D97-AF65-F5344CB8AC3E}">
-        <p14:creationId xmlns:p14="http://schemas.microsoft.com/office/powerpoint/2010/main" val="1853644765"/>
+        <p14:creationId xmlns:p14="http://schemas.microsoft.com/office/powerpoint/2010/main" xmlns="" val="1853644765"/>
       </p:ext>
     </p:extLst>
   </p:cSld>
@@ -8252,7 +8379,8 @@
           <a:p>
             <a:fld id="{2945E16F-4840-DE47-A3AB-5C9E0815BE1A}" type="datetimeFigureOut">
               <a:rPr lang="en-US" smtClean="0"/>
-              <a:t>1/11/2019</a:t>
+              <a:pPr/>
+              <a:t>1/13/2019</a:t>
             </a:fld>
             <a:endParaRPr lang="en-US" dirty="0"/>
           </a:p>
@@ -8294,7 +8422,8 @@
           <a:p>
             <a:fld id="{825CA4A4-722C-0545-B923-FC1AFF0745DC}" type="slidenum">
               <a:rPr lang="en-US" smtClean="0"/>
-              <a:t>‹#›</a:t>
+              <a:pPr/>
+              <a:t>‹nº›</a:t>
             </a:fld>
             <a:endParaRPr lang="en-US" dirty="0"/>
           </a:p>
@@ -8303,7 +8432,7 @@
     </p:spTree>
     <p:extLst>
       <p:ext uri="{BB962C8B-B14F-4D97-AF65-F5344CB8AC3E}">
-        <p14:creationId xmlns:p14="http://schemas.microsoft.com/office/powerpoint/2010/main" val="2196062726"/>
+        <p14:creationId xmlns:p14="http://schemas.microsoft.com/office/powerpoint/2010/main" xmlns="" val="2196062726"/>
       </p:ext>
     </p:extLst>
   </p:cSld>
@@ -8432,7 +8561,8 @@
           <a:p>
             <a:fld id="{2945E16F-4840-DE47-A3AB-5C9E0815BE1A}" type="datetimeFigureOut">
               <a:rPr lang="en-US" smtClean="0"/>
-              <a:t>1/11/2019</a:t>
+              <a:pPr/>
+              <a:t>1/13/2019</a:t>
             </a:fld>
             <a:endParaRPr lang="en-US" dirty="0"/>
           </a:p>
@@ -8474,7 +8604,8 @@
           <a:p>
             <a:fld id="{825CA4A4-722C-0545-B923-FC1AFF0745DC}" type="slidenum">
               <a:rPr lang="en-US" smtClean="0"/>
-              <a:t>‹#›</a:t>
+              <a:pPr/>
+              <a:t>‹nº›</a:t>
             </a:fld>
             <a:endParaRPr lang="en-US" dirty="0"/>
           </a:p>
@@ -8483,7 +8614,7 @@
     </p:spTree>
     <p:extLst>
       <p:ext uri="{BB962C8B-B14F-4D97-AF65-F5344CB8AC3E}">
-        <p14:creationId xmlns:p14="http://schemas.microsoft.com/office/powerpoint/2010/main" val="3471214750"/>
+        <p14:creationId xmlns:p14="http://schemas.microsoft.com/office/powerpoint/2010/main" xmlns="" val="3471214750"/>
       </p:ext>
     </p:extLst>
   </p:cSld>
@@ -8602,7 +8733,8 @@
           <a:p>
             <a:fld id="{2945E16F-4840-DE47-A3AB-5C9E0815BE1A}" type="datetimeFigureOut">
               <a:rPr lang="en-US" smtClean="0"/>
-              <a:t>1/11/2019</a:t>
+              <a:pPr/>
+              <a:t>1/13/2019</a:t>
             </a:fld>
             <a:endParaRPr lang="en-US" dirty="0"/>
           </a:p>
@@ -8644,7 +8776,8 @@
           <a:p>
             <a:fld id="{825CA4A4-722C-0545-B923-FC1AFF0745DC}" type="slidenum">
               <a:rPr lang="en-US" smtClean="0"/>
-              <a:t>‹#›</a:t>
+              <a:pPr/>
+              <a:t>‹nº›</a:t>
             </a:fld>
             <a:endParaRPr lang="en-US" dirty="0"/>
           </a:p>
@@ -8653,7 +8786,7 @@
     </p:spTree>
     <p:extLst>
       <p:ext uri="{BB962C8B-B14F-4D97-AF65-F5344CB8AC3E}">
-        <p14:creationId xmlns:p14="http://schemas.microsoft.com/office/powerpoint/2010/main" val="4223512028"/>
+        <p14:creationId xmlns:p14="http://schemas.microsoft.com/office/powerpoint/2010/main" xmlns="" val="4223512028"/>
       </p:ext>
     </p:extLst>
   </p:cSld>
@@ -8848,7 +8981,8 @@
           <a:p>
             <a:fld id="{2945E16F-4840-DE47-A3AB-5C9E0815BE1A}" type="datetimeFigureOut">
               <a:rPr lang="en-US" smtClean="0"/>
-              <a:t>1/11/2019</a:t>
+              <a:pPr/>
+              <a:t>1/13/2019</a:t>
             </a:fld>
             <a:endParaRPr lang="en-US" dirty="0"/>
           </a:p>
@@ -8890,7 +9024,8 @@
           <a:p>
             <a:fld id="{825CA4A4-722C-0545-B923-FC1AFF0745DC}" type="slidenum">
               <a:rPr lang="en-US" smtClean="0"/>
-              <a:t>‹#›</a:t>
+              <a:pPr/>
+              <a:t>‹nº›</a:t>
             </a:fld>
             <a:endParaRPr lang="en-US" dirty="0"/>
           </a:p>
@@ -8899,7 +9034,7 @@
     </p:spTree>
     <p:extLst>
       <p:ext uri="{BB962C8B-B14F-4D97-AF65-F5344CB8AC3E}">
-        <p14:creationId xmlns:p14="http://schemas.microsoft.com/office/powerpoint/2010/main" val="2867945625"/>
+        <p14:creationId xmlns:p14="http://schemas.microsoft.com/office/powerpoint/2010/main" xmlns="" val="2867945625"/>
       </p:ext>
     </p:extLst>
   </p:cSld>
@@ -9136,7 +9271,8 @@
           <a:p>
             <a:fld id="{2945E16F-4840-DE47-A3AB-5C9E0815BE1A}" type="datetimeFigureOut">
               <a:rPr lang="en-US" smtClean="0"/>
-              <a:t>1/11/2019</a:t>
+              <a:pPr/>
+              <a:t>1/13/2019</a:t>
             </a:fld>
             <a:endParaRPr lang="en-US" dirty="0"/>
           </a:p>
@@ -9178,7 +9314,8 @@
           <a:p>
             <a:fld id="{825CA4A4-722C-0545-B923-FC1AFF0745DC}" type="slidenum">
               <a:rPr lang="en-US" smtClean="0"/>
-              <a:t>‹#›</a:t>
+              <a:pPr/>
+              <a:t>‹nº›</a:t>
             </a:fld>
             <a:endParaRPr lang="en-US" dirty="0"/>
           </a:p>
@@ -9187,7 +9324,7 @@
     </p:spTree>
     <p:extLst>
       <p:ext uri="{BB962C8B-B14F-4D97-AF65-F5344CB8AC3E}">
-        <p14:creationId xmlns:p14="http://schemas.microsoft.com/office/powerpoint/2010/main" val="256334717"/>
+        <p14:creationId xmlns:p14="http://schemas.microsoft.com/office/powerpoint/2010/main" xmlns="" val="256334717"/>
       </p:ext>
     </p:extLst>
   </p:cSld>
@@ -9558,7 +9695,8 @@
           <a:p>
             <a:fld id="{2945E16F-4840-DE47-A3AB-5C9E0815BE1A}" type="datetimeFigureOut">
               <a:rPr lang="en-US" smtClean="0"/>
-              <a:t>1/11/2019</a:t>
+              <a:pPr/>
+              <a:t>1/13/2019</a:t>
             </a:fld>
             <a:endParaRPr lang="en-US" dirty="0"/>
           </a:p>
@@ -9600,7 +9738,8 @@
           <a:p>
             <a:fld id="{825CA4A4-722C-0545-B923-FC1AFF0745DC}" type="slidenum">
               <a:rPr lang="en-US" smtClean="0"/>
-              <a:t>‹#›</a:t>
+              <a:pPr/>
+              <a:t>‹nº›</a:t>
             </a:fld>
             <a:endParaRPr lang="en-US" dirty="0"/>
           </a:p>
@@ -9609,7 +9748,7 @@
     </p:spTree>
     <p:extLst>
       <p:ext uri="{BB962C8B-B14F-4D97-AF65-F5344CB8AC3E}">
-        <p14:creationId xmlns:p14="http://schemas.microsoft.com/office/powerpoint/2010/main" val="2602341123"/>
+        <p14:creationId xmlns:p14="http://schemas.microsoft.com/office/powerpoint/2010/main" xmlns="" val="2602341123"/>
       </p:ext>
     </p:extLst>
   </p:cSld>
@@ -9676,7 +9815,8 @@
           <a:p>
             <a:fld id="{2945E16F-4840-DE47-A3AB-5C9E0815BE1A}" type="datetimeFigureOut">
               <a:rPr lang="en-US" smtClean="0"/>
-              <a:t>1/11/2019</a:t>
+              <a:pPr/>
+              <a:t>1/13/2019</a:t>
             </a:fld>
             <a:endParaRPr lang="en-US" dirty="0"/>
           </a:p>
@@ -9718,7 +9858,8 @@
           <a:p>
             <a:fld id="{825CA4A4-722C-0545-B923-FC1AFF0745DC}" type="slidenum">
               <a:rPr lang="en-US" smtClean="0"/>
-              <a:t>‹#›</a:t>
+              <a:pPr/>
+              <a:t>‹nº›</a:t>
             </a:fld>
             <a:endParaRPr lang="en-US" dirty="0"/>
           </a:p>
@@ -9727,7 +9868,7 @@
     </p:spTree>
     <p:extLst>
       <p:ext uri="{BB962C8B-B14F-4D97-AF65-F5344CB8AC3E}">
-        <p14:creationId xmlns:p14="http://schemas.microsoft.com/office/powerpoint/2010/main" val="3347891777"/>
+        <p14:creationId xmlns:p14="http://schemas.microsoft.com/office/powerpoint/2010/main" xmlns="" val="3347891777"/>
       </p:ext>
     </p:extLst>
   </p:cSld>
@@ -9771,7 +9912,8 @@
           <a:p>
             <a:fld id="{2945E16F-4840-DE47-A3AB-5C9E0815BE1A}" type="datetimeFigureOut">
               <a:rPr lang="en-US" smtClean="0"/>
-              <a:t>1/11/2019</a:t>
+              <a:pPr/>
+              <a:t>1/13/2019</a:t>
             </a:fld>
             <a:endParaRPr lang="en-US" dirty="0"/>
           </a:p>
@@ -9813,7 +9955,8 @@
           <a:p>
             <a:fld id="{825CA4A4-722C-0545-B923-FC1AFF0745DC}" type="slidenum">
               <a:rPr lang="en-US" smtClean="0"/>
-              <a:t>‹#›</a:t>
+              <a:pPr/>
+              <a:t>‹nº›</a:t>
             </a:fld>
             <a:endParaRPr lang="en-US" dirty="0"/>
           </a:p>
@@ -9822,7 +9965,7 @@
     </p:spTree>
     <p:extLst>
       <p:ext uri="{BB962C8B-B14F-4D97-AF65-F5344CB8AC3E}">
-        <p14:creationId xmlns:p14="http://schemas.microsoft.com/office/powerpoint/2010/main" val="890642198"/>
+        <p14:creationId xmlns:p14="http://schemas.microsoft.com/office/powerpoint/2010/main" xmlns="" val="890642198"/>
       </p:ext>
     </p:extLst>
   </p:cSld>
@@ -10048,7 +10191,8 @@
           <a:p>
             <a:fld id="{2945E16F-4840-DE47-A3AB-5C9E0815BE1A}" type="datetimeFigureOut">
               <a:rPr lang="en-US" smtClean="0"/>
-              <a:t>1/11/2019</a:t>
+              <a:pPr/>
+              <a:t>1/13/2019</a:t>
             </a:fld>
             <a:endParaRPr lang="en-US" dirty="0"/>
           </a:p>
@@ -10090,7 +10234,8 @@
           <a:p>
             <a:fld id="{825CA4A4-722C-0545-B923-FC1AFF0745DC}" type="slidenum">
               <a:rPr lang="en-US" smtClean="0"/>
-              <a:t>‹#›</a:t>
+              <a:pPr/>
+              <a:t>‹nº›</a:t>
             </a:fld>
             <a:endParaRPr lang="en-US" dirty="0"/>
           </a:p>
@@ -10099,7 +10244,7 @@
     </p:spTree>
     <p:extLst>
       <p:ext uri="{BB962C8B-B14F-4D97-AF65-F5344CB8AC3E}">
-        <p14:creationId xmlns:p14="http://schemas.microsoft.com/office/powerpoint/2010/main" val="4226780705"/>
+        <p14:creationId xmlns:p14="http://schemas.microsoft.com/office/powerpoint/2010/main" xmlns="" val="4226780705"/>
       </p:ext>
     </p:extLst>
   </p:cSld>
@@ -10301,7 +10446,8 @@
           <a:p>
             <a:fld id="{2945E16F-4840-DE47-A3AB-5C9E0815BE1A}" type="datetimeFigureOut">
               <a:rPr lang="en-US" smtClean="0"/>
-              <a:t>1/11/2019</a:t>
+              <a:pPr/>
+              <a:t>1/13/2019</a:t>
             </a:fld>
             <a:endParaRPr lang="en-US" dirty="0"/>
           </a:p>
@@ -10343,7 +10489,8 @@
           <a:p>
             <a:fld id="{825CA4A4-722C-0545-B923-FC1AFF0745DC}" type="slidenum">
               <a:rPr lang="en-US" smtClean="0"/>
-              <a:t>‹#›</a:t>
+              <a:pPr/>
+              <a:t>‹nº›</a:t>
             </a:fld>
             <a:endParaRPr lang="en-US" dirty="0"/>
           </a:p>
@@ -10352,7 +10499,7 @@
     </p:spTree>
     <p:extLst>
       <p:ext uri="{BB962C8B-B14F-4D97-AF65-F5344CB8AC3E}">
-        <p14:creationId xmlns:p14="http://schemas.microsoft.com/office/powerpoint/2010/main" val="1328800948"/>
+        <p14:creationId xmlns:p14="http://schemas.microsoft.com/office/powerpoint/2010/main" xmlns="" val="1328800948"/>
       </p:ext>
     </p:extLst>
   </p:cSld>
@@ -10514,7 +10661,8 @@
           <a:p>
             <a:fld id="{2945E16F-4840-DE47-A3AB-5C9E0815BE1A}" type="datetimeFigureOut">
               <a:rPr lang="en-US" smtClean="0"/>
-              <a:t>1/11/2019</a:t>
+              <a:pPr/>
+              <a:t>1/13/2019</a:t>
             </a:fld>
             <a:endParaRPr lang="en-US" dirty="0"/>
           </a:p>
@@ -10592,7 +10740,8 @@
           <a:p>
             <a:fld id="{825CA4A4-722C-0545-B923-FC1AFF0745DC}" type="slidenum">
               <a:rPr lang="en-US" smtClean="0"/>
-              <a:t>‹#›</a:t>
+              <a:pPr/>
+              <a:t>‹nº›</a:t>
             </a:fld>
             <a:endParaRPr lang="en-US" dirty="0"/>
           </a:p>
@@ -10601,7 +10750,7 @@
     </p:spTree>
     <p:extLst>
       <p:ext uri="{BB962C8B-B14F-4D97-AF65-F5344CB8AC3E}">
-        <p14:creationId xmlns:p14="http://schemas.microsoft.com/office/powerpoint/2010/main" val="1687952589"/>
+        <p14:creationId xmlns:p14="http://schemas.microsoft.com/office/powerpoint/2010/main" xmlns="" val="1687952589"/>
       </p:ext>
     </p:extLst>
   </p:cSld>
@@ -10927,7 +11076,7 @@
           <a:blip r:embed="rId4" cstate="print">
             <a:extLst>
               <a:ext uri="{28A0092B-C50C-407E-A947-70E740481C1C}">
-                <a14:useLocalDpi xmlns:a14="http://schemas.microsoft.com/office/drawing/2010/main" val="0"/>
+                <a14:useLocalDpi xmlns:a14="http://schemas.microsoft.com/office/drawing/2010/main" xmlns="" val="0"/>
               </a:ext>
             </a:extLst>
           </a:blip>
@@ -11008,7 +11157,7 @@
           <a:blip r:embed="rId5">
             <a:extLst>
               <a:ext uri="{28A0092B-C50C-407E-A947-70E740481C1C}">
-                <a14:useLocalDpi xmlns:a14="http://schemas.microsoft.com/office/drawing/2010/main" val="0"/>
+                <a14:useLocalDpi xmlns:a14="http://schemas.microsoft.com/office/drawing/2010/main" xmlns="" val="0"/>
               </a:ext>
             </a:extLst>
           </a:blip>
@@ -11029,13 +11178,20 @@
     </p:spTree>
     <p:extLst>
       <p:ext uri="{BB962C8B-B14F-4D97-AF65-F5344CB8AC3E}">
-        <p14:creationId xmlns:p14="http://schemas.microsoft.com/office/powerpoint/2010/main" val="882349580"/>
+        <p14:creationId xmlns:p14="http://schemas.microsoft.com/office/powerpoint/2010/main" xmlns="" val="882349580"/>
       </p:ext>
     </p:extLst>
   </p:cSld>
   <p:clrMapOvr>
     <a:masterClrMapping/>
   </p:clrMapOvr>
+  <p:timing>
+    <p:tnLst>
+      <p:par>
+        <p:cTn id="1" dur="indefinite" restart="never" nodeType="tmRoot"/>
+      </p:par>
+    </p:tnLst>
+  </p:timing>
 </p:sld>
 </file>
 
@@ -11068,276 +11224,7 @@
           <a:blip r:embed="rId3">
             <a:extLst>
               <a:ext uri="{28A0092B-C50C-407E-A947-70E740481C1C}">
-                <a14:useLocalDpi xmlns:a14="http://schemas.microsoft.com/office/drawing/2010/main" val="0"/>
-              </a:ext>
-            </a:extLst>
-          </a:blip>
-          <a:stretch>
-            <a:fillRect/>
-          </a:stretch>
-        </p:blipFill>
-        <p:spPr>
-          <a:xfrm>
-            <a:off x="331869" y="4895288"/>
-            <a:ext cx="919480" cy="712716"/>
-          </a:xfrm>
-          <a:prstGeom prst="rect">
-            <a:avLst/>
-          </a:prstGeom>
-        </p:spPr>
-      </p:pic>
-      <p:sp>
-        <p:nvSpPr>
-          <p:cNvPr id="12" name="Rectangle 11"/>
-          <p:cNvSpPr/>
-          <p:nvPr/>
-        </p:nvSpPr>
-        <p:spPr>
-          <a:xfrm>
-            <a:off x="-319853" y="-84666"/>
-            <a:ext cx="9670815" cy="639704"/>
-          </a:xfrm>
-          <a:prstGeom prst="rect">
-            <a:avLst/>
-          </a:prstGeom>
-          <a:solidFill>
-            <a:srgbClr val="17476A">
-              <a:alpha val="80000"/>
-            </a:srgbClr>
-          </a:solidFill>
-          <a:ln>
-            <a:noFill/>
-          </a:ln>
-          <a:effectLst/>
-        </p:spPr>
-        <p:style>
-          <a:lnRef idx="1">
-            <a:schemeClr val="accent1"/>
-          </a:lnRef>
-          <a:fillRef idx="3">
-            <a:schemeClr val="accent1"/>
-          </a:fillRef>
-          <a:effectRef idx="2">
-            <a:schemeClr val="accent1"/>
-          </a:effectRef>
-          <a:fontRef idx="minor">
-            <a:schemeClr val="lt1"/>
-          </a:fontRef>
-        </p:style>
-        <p:txBody>
-          <a:bodyPr rtlCol="0" anchor="ctr"/>
-          <a:lstStyle/>
-          <a:p>
-            <a:pPr algn="ctr"/>
-            <a:endParaRPr lang="pt-BR" dirty="0">
-              <a:solidFill>
-                <a:srgbClr val="1E435B"/>
-              </a:solidFill>
-            </a:endParaRPr>
-          </a:p>
-        </p:txBody>
-      </p:sp>
-      <p:pic>
-        <p:nvPicPr>
-          <p:cNvPr id="10" name="Picture 9" descr="logo_treinamentos_impacta_azul-01.png"/>
-          <p:cNvPicPr>
-            <a:picLocks noChangeAspect="1"/>
-          </p:cNvPicPr>
-          <p:nvPr/>
-        </p:nvPicPr>
-        <p:blipFill>
-          <a:blip r:embed="rId4">
-            <a:extLst>
-              <a:ext uri="{28A0092B-C50C-407E-A947-70E740481C1C}">
-                <a14:useLocalDpi xmlns:a14="http://schemas.microsoft.com/office/drawing/2010/main" val="0"/>
-              </a:ext>
-            </a:extLst>
-          </a:blip>
-          <a:stretch>
-            <a:fillRect/>
-          </a:stretch>
-        </p:blipFill>
-        <p:spPr>
-          <a:xfrm>
-            <a:off x="3862284" y="5168182"/>
-            <a:ext cx="1419432" cy="441922"/>
-          </a:xfrm>
-          <a:prstGeom prst="rect">
-            <a:avLst/>
-          </a:prstGeom>
-        </p:spPr>
-      </p:pic>
-      <p:sp>
-        <p:nvSpPr>
-          <p:cNvPr id="6" name="Retângulo 2"/>
-          <p:cNvSpPr/>
-          <p:nvPr/>
-        </p:nvSpPr>
-        <p:spPr>
-          <a:xfrm>
-            <a:off x="0" y="560055"/>
-            <a:ext cx="9144000" cy="369332"/>
-          </a:xfrm>
-          <a:prstGeom prst="rect">
-            <a:avLst/>
-          </a:prstGeom>
-        </p:spPr>
-        <p:txBody>
-          <a:bodyPr wrap="square">
-            <a:spAutoFit/>
-          </a:bodyPr>
-          <a:lstStyle/>
-          <a:p>
-            <a:pPr algn="ctr"/>
-            <a:r>
-              <a:rPr lang="pt-BR" dirty="0" smtClean="0"/>
-              <a:t>Identidade no banco:</a:t>
-            </a:r>
-            <a:endParaRPr lang="pt-BR" dirty="0"/>
-          </a:p>
-        </p:txBody>
-      </p:sp>
-      <p:pic>
-        <p:nvPicPr>
-          <p:cNvPr id="7" name="Picture 2"/>
-          <p:cNvPicPr>
-            <a:picLocks noChangeAspect="1" noChangeArrowheads="1"/>
-          </p:cNvPicPr>
-          <p:nvPr/>
-        </p:nvPicPr>
-        <p:blipFill>
-          <a:blip r:embed="rId5" cstate="print"/>
-          <a:srcRect/>
-          <a:stretch>
-            <a:fillRect/>
-          </a:stretch>
-        </p:blipFill>
-        <p:spPr bwMode="auto">
-          <a:xfrm>
-            <a:off x="288032" y="992104"/>
-            <a:ext cx="8721497" cy="1104668"/>
-          </a:xfrm>
-          <a:prstGeom prst="rect">
-            <a:avLst/>
-          </a:prstGeom>
-          <a:noFill/>
-          <a:ln w="9525">
-            <a:solidFill>
-              <a:schemeClr val="accent1"/>
-            </a:solidFill>
-            <a:miter lim="800000"/>
-            <a:headEnd/>
-            <a:tailEnd/>
-          </a:ln>
-        </p:spPr>
-      </p:pic>
-      <p:sp>
-        <p:nvSpPr>
-          <p:cNvPr id="9" name="Retângulo 4"/>
-          <p:cNvSpPr/>
-          <p:nvPr/>
-        </p:nvSpPr>
-        <p:spPr>
-          <a:xfrm>
-            <a:off x="0" y="2288248"/>
-            <a:ext cx="9144000" cy="369332"/>
-          </a:xfrm>
-          <a:prstGeom prst="rect">
-            <a:avLst/>
-          </a:prstGeom>
-        </p:spPr>
-        <p:txBody>
-          <a:bodyPr wrap="square">
-            <a:spAutoFit/>
-          </a:bodyPr>
-          <a:lstStyle/>
-          <a:p>
-            <a:pPr algn="ctr"/>
-            <a:r>
-              <a:rPr lang="pt-BR" dirty="0" smtClean="0"/>
-              <a:t>Identidade no Java:</a:t>
-            </a:r>
-            <a:endParaRPr lang="pt-BR" dirty="0"/>
-          </a:p>
-        </p:txBody>
-      </p:sp>
-      <p:pic>
-        <p:nvPicPr>
-          <p:cNvPr id="13" name="Picture 3"/>
-          <p:cNvPicPr>
-            <a:picLocks noChangeAspect="1" noChangeArrowheads="1"/>
-          </p:cNvPicPr>
-          <p:nvPr/>
-        </p:nvPicPr>
-        <p:blipFill>
-          <a:blip r:embed="rId6" cstate="print"/>
-          <a:srcRect/>
-          <a:stretch>
-            <a:fillRect/>
-          </a:stretch>
-        </p:blipFill>
-        <p:spPr bwMode="auto">
-          <a:xfrm>
-            <a:off x="3028600" y="2729588"/>
-            <a:ext cx="3240360" cy="2275788"/>
-          </a:xfrm>
-          <a:prstGeom prst="rect">
-            <a:avLst/>
-          </a:prstGeom>
-          <a:noFill/>
-          <a:ln w="9525">
-            <a:solidFill>
-              <a:schemeClr val="accent1"/>
-            </a:solidFill>
-            <a:miter lim="800000"/>
-            <a:headEnd/>
-            <a:tailEnd/>
-          </a:ln>
-        </p:spPr>
-      </p:pic>
-    </p:spTree>
-    <p:extLst>
-      <p:ext uri="{BB962C8B-B14F-4D97-AF65-F5344CB8AC3E}">
-        <p14:creationId xmlns:p14="http://schemas.microsoft.com/office/powerpoint/2010/main" val="3175607738"/>
-      </p:ext>
-    </p:extLst>
-  </p:cSld>
-  <p:clrMapOvr>
-    <a:masterClrMapping/>
-  </p:clrMapOvr>
-</p:sld>
-</file>
-
-<file path=ppt/slides/slide11.xml><?xml version="1.0" encoding="utf-8"?>
-<p:sld xmlns:a="http://schemas.openxmlformats.org/drawingml/2006/main" xmlns:r="http://schemas.openxmlformats.org/officeDocument/2006/relationships" xmlns:p="http://schemas.openxmlformats.org/presentationml/2006/main">
-  <p:cSld>
-    <p:spTree>
-      <p:nvGrpSpPr>
-        <p:cNvPr id="1" name=""/>
-        <p:cNvGrpSpPr/>
-        <p:nvPr/>
-      </p:nvGrpSpPr>
-      <p:grpSpPr>
-        <a:xfrm>
-          <a:off x="0" y="0"/>
-          <a:ext cx="0" cy="0"/>
-          <a:chOff x="0" y="0"/>
-          <a:chExt cx="0" cy="0"/>
-        </a:xfrm>
-      </p:grpSpPr>
-      <p:pic>
-        <p:nvPicPr>
-          <p:cNvPr id="11" name="Picture 10" descr="Poligono.psd"/>
-          <p:cNvPicPr>
-            <a:picLocks noChangeAspect="1"/>
-          </p:cNvPicPr>
-          <p:nvPr/>
-        </p:nvPicPr>
-        <p:blipFill>
-          <a:blip r:embed="rId3">
-            <a:extLst>
-              <a:ext uri="{28A0092B-C50C-407E-A947-70E740481C1C}">
-                <a14:useLocalDpi xmlns:a14="http://schemas.microsoft.com/office/drawing/2010/main" val="0"/>
+                <a14:useLocalDpi xmlns:a14="http://schemas.microsoft.com/office/drawing/2010/main" xmlns="" val="0"/>
               </a:ext>
             </a:extLst>
           </a:blip>
@@ -11686,17 +11573,24 @@
     </p:spTree>
     <p:extLst>
       <p:ext uri="{BB962C8B-B14F-4D97-AF65-F5344CB8AC3E}">
-        <p14:creationId xmlns:p14="http://schemas.microsoft.com/office/powerpoint/2010/main" val="1044207979"/>
+        <p14:creationId xmlns:p14="http://schemas.microsoft.com/office/powerpoint/2010/main" xmlns="" val="1044207979"/>
       </p:ext>
     </p:extLst>
   </p:cSld>
   <p:clrMapOvr>
     <a:masterClrMapping/>
   </p:clrMapOvr>
+  <p:timing>
+    <p:tnLst>
+      <p:par>
+        <p:cTn id="1" dur="indefinite" restart="never" nodeType="tmRoot"/>
+      </p:par>
+    </p:tnLst>
+  </p:timing>
 </p:sld>
 </file>
 
-<file path=ppt/slides/slide12.xml><?xml version="1.0" encoding="utf-8"?>
+<file path=ppt/slides/slide11.xml><?xml version="1.0" encoding="utf-8"?>
 <p:sld xmlns:a="http://schemas.openxmlformats.org/drawingml/2006/main" xmlns:r="http://schemas.openxmlformats.org/officeDocument/2006/relationships" xmlns:p="http://schemas.openxmlformats.org/presentationml/2006/main">
   <p:cSld>
     <p:spTree>
@@ -11725,7 +11619,7 @@
           <a:blip r:embed="rId3">
             <a:extLst>
               <a:ext uri="{28A0092B-C50C-407E-A947-70E740481C1C}">
-                <a14:useLocalDpi xmlns:a14="http://schemas.microsoft.com/office/drawing/2010/main" val="0"/>
+                <a14:useLocalDpi xmlns:a14="http://schemas.microsoft.com/office/drawing/2010/main" xmlns="" val="0"/>
               </a:ext>
             </a:extLst>
           </a:blip>
@@ -11806,7 +11700,216 @@
           <a:blip r:embed="rId4">
             <a:extLst>
               <a:ext uri="{28A0092B-C50C-407E-A947-70E740481C1C}">
-                <a14:useLocalDpi xmlns:a14="http://schemas.microsoft.com/office/drawing/2010/main" val="0"/>
+                <a14:useLocalDpi xmlns:a14="http://schemas.microsoft.com/office/drawing/2010/main" xmlns="" val="0"/>
+              </a:ext>
+            </a:extLst>
+          </a:blip>
+          <a:stretch>
+            <a:fillRect/>
+          </a:stretch>
+        </p:blipFill>
+        <p:spPr>
+          <a:xfrm>
+            <a:off x="3862284" y="5168182"/>
+            <a:ext cx="1419432" cy="441922"/>
+          </a:xfrm>
+          <a:prstGeom prst="rect">
+            <a:avLst/>
+          </a:prstGeom>
+        </p:spPr>
+      </p:pic>
+      <p:sp>
+        <p:nvSpPr>
+          <p:cNvPr id="6" name="Retângulo 2"/>
+          <p:cNvSpPr/>
+          <p:nvPr/>
+        </p:nvSpPr>
+        <p:spPr>
+          <a:xfrm>
+            <a:off x="136101" y="826829"/>
+            <a:ext cx="9577064" cy="369332"/>
+          </a:xfrm>
+          <a:prstGeom prst="rect">
+            <a:avLst/>
+          </a:prstGeom>
+        </p:spPr>
+        <p:txBody>
+          <a:bodyPr wrap="square">
+            <a:spAutoFit/>
+          </a:bodyPr>
+          <a:lstStyle/>
+          <a:p>
+            <a:r>
+              <a:rPr lang="pt-BR" dirty="0" smtClean="0"/>
+              <a:t>Método inserir com o Hibernate</a:t>
+            </a:r>
+            <a:endParaRPr lang="pt-BR" dirty="0"/>
+          </a:p>
+        </p:txBody>
+      </p:sp>
+      <p:pic>
+        <p:nvPicPr>
+          <p:cNvPr id="7" name="Picture 2"/>
+          <p:cNvPicPr>
+            <a:picLocks noChangeAspect="1" noChangeArrowheads="1"/>
+          </p:cNvPicPr>
+          <p:nvPr/>
+        </p:nvPicPr>
+        <p:blipFill>
+          <a:blip r:embed="rId5" cstate="print"/>
+          <a:srcRect/>
+          <a:stretch>
+            <a:fillRect/>
+          </a:stretch>
+        </p:blipFill>
+        <p:spPr bwMode="auto">
+          <a:xfrm>
+            <a:off x="1720277" y="1402894"/>
+            <a:ext cx="5688632" cy="3199856"/>
+          </a:xfrm>
+          <a:prstGeom prst="rect">
+            <a:avLst/>
+          </a:prstGeom>
+          <a:noFill/>
+          <a:ln w="9525">
+            <a:noFill/>
+            <a:miter lim="800000"/>
+            <a:headEnd/>
+            <a:tailEnd/>
+          </a:ln>
+        </p:spPr>
+      </p:pic>
+    </p:spTree>
+    <p:extLst>
+      <p:ext uri="{BB962C8B-B14F-4D97-AF65-F5344CB8AC3E}">
+        <p14:creationId xmlns:p14="http://schemas.microsoft.com/office/powerpoint/2010/main" xmlns="" val="4213659070"/>
+      </p:ext>
+    </p:extLst>
+  </p:cSld>
+  <p:clrMapOvr>
+    <a:masterClrMapping/>
+  </p:clrMapOvr>
+  <p:timing>
+    <p:tnLst>
+      <p:par>
+        <p:cTn id="1" dur="indefinite" restart="never" nodeType="tmRoot"/>
+      </p:par>
+    </p:tnLst>
+  </p:timing>
+</p:sld>
+</file>
+
+<file path=ppt/slides/slide12.xml><?xml version="1.0" encoding="utf-8"?>
+<p:sld xmlns:a="http://schemas.openxmlformats.org/drawingml/2006/main" xmlns:r="http://schemas.openxmlformats.org/officeDocument/2006/relationships" xmlns:p="http://schemas.openxmlformats.org/presentationml/2006/main">
+  <p:cSld>
+    <p:spTree>
+      <p:nvGrpSpPr>
+        <p:cNvPr id="1" name=""/>
+        <p:cNvGrpSpPr/>
+        <p:nvPr/>
+      </p:nvGrpSpPr>
+      <p:grpSpPr>
+        <a:xfrm>
+          <a:off x="0" y="0"/>
+          <a:ext cx="0" cy="0"/>
+          <a:chOff x="0" y="0"/>
+          <a:chExt cx="0" cy="0"/>
+        </a:xfrm>
+      </p:grpSpPr>
+      <p:pic>
+        <p:nvPicPr>
+          <p:cNvPr id="11" name="Picture 10" descr="Poligono.psd"/>
+          <p:cNvPicPr>
+            <a:picLocks noChangeAspect="1"/>
+          </p:cNvPicPr>
+          <p:nvPr/>
+        </p:nvPicPr>
+        <p:blipFill>
+          <a:blip r:embed="rId3">
+            <a:extLst>
+              <a:ext uri="{28A0092B-C50C-407E-A947-70E740481C1C}">
+                <a14:useLocalDpi xmlns:a14="http://schemas.microsoft.com/office/drawing/2010/main" xmlns="" val="0"/>
+              </a:ext>
+            </a:extLst>
+          </a:blip>
+          <a:stretch>
+            <a:fillRect/>
+          </a:stretch>
+        </p:blipFill>
+        <p:spPr>
+          <a:xfrm>
+            <a:off x="331869" y="4895288"/>
+            <a:ext cx="919480" cy="712716"/>
+          </a:xfrm>
+          <a:prstGeom prst="rect">
+            <a:avLst/>
+          </a:prstGeom>
+        </p:spPr>
+      </p:pic>
+      <p:sp>
+        <p:nvSpPr>
+          <p:cNvPr id="12" name="Rectangle 11"/>
+          <p:cNvSpPr/>
+          <p:nvPr/>
+        </p:nvSpPr>
+        <p:spPr>
+          <a:xfrm>
+            <a:off x="-319853" y="-84666"/>
+            <a:ext cx="9670815" cy="639704"/>
+          </a:xfrm>
+          <a:prstGeom prst="rect">
+            <a:avLst/>
+          </a:prstGeom>
+          <a:solidFill>
+            <a:srgbClr val="17476A">
+              <a:alpha val="80000"/>
+            </a:srgbClr>
+          </a:solidFill>
+          <a:ln>
+            <a:noFill/>
+          </a:ln>
+          <a:effectLst/>
+        </p:spPr>
+        <p:style>
+          <a:lnRef idx="1">
+            <a:schemeClr val="accent1"/>
+          </a:lnRef>
+          <a:fillRef idx="3">
+            <a:schemeClr val="accent1"/>
+          </a:fillRef>
+          <a:effectRef idx="2">
+            <a:schemeClr val="accent1"/>
+          </a:effectRef>
+          <a:fontRef idx="minor">
+            <a:schemeClr val="lt1"/>
+          </a:fontRef>
+        </p:style>
+        <p:txBody>
+          <a:bodyPr rtlCol="0" anchor="ctr"/>
+          <a:lstStyle/>
+          <a:p>
+            <a:pPr algn="ctr"/>
+            <a:endParaRPr lang="pt-BR" dirty="0">
+              <a:solidFill>
+                <a:srgbClr val="1E435B"/>
+              </a:solidFill>
+            </a:endParaRPr>
+          </a:p>
+        </p:txBody>
+      </p:sp>
+      <p:pic>
+        <p:nvPicPr>
+          <p:cNvPr id="10" name="Picture 9" descr="logo_treinamentos_impacta_azul-01.png"/>
+          <p:cNvPicPr>
+            <a:picLocks noChangeAspect="1"/>
+          </p:cNvPicPr>
+          <p:nvPr/>
+        </p:nvPicPr>
+        <p:blipFill>
+          <a:blip r:embed="rId4">
+            <a:extLst>
+              <a:ext uri="{28A0092B-C50C-407E-A947-70E740481C1C}">
+                <a14:useLocalDpi xmlns:a14="http://schemas.microsoft.com/office/drawing/2010/main" xmlns="" val="0"/>
               </a:ext>
             </a:extLst>
           </a:blip>
@@ -12774,15 +12877,7 @@
                   <a:schemeClr val="tx1"/>
                 </a:solidFill>
               </a:rPr>
-              <a:t>ECLIPSE + JDK </a:t>
-            </a:r>
-            <a:r>
-              <a:rPr lang="pt-BR" b="1" dirty="0" smtClean="0">
-                <a:solidFill>
-                  <a:schemeClr val="tx1"/>
-                </a:solidFill>
-              </a:rPr>
-              <a:t>1.6</a:t>
+              <a:t>ECLIPSE + JDK 1.6</a:t>
             </a:r>
             <a:endParaRPr lang="pt-BR" b="1" dirty="0">
               <a:solidFill>
@@ -13174,13 +13269,20 @@
     </p:spTree>
     <p:extLst>
       <p:ext uri="{BB962C8B-B14F-4D97-AF65-F5344CB8AC3E}">
-        <p14:creationId xmlns:p14="http://schemas.microsoft.com/office/powerpoint/2010/main" val="1232580645"/>
+        <p14:creationId xmlns:p14="http://schemas.microsoft.com/office/powerpoint/2010/main" xmlns="" val="1232580645"/>
       </p:ext>
     </p:extLst>
   </p:cSld>
   <p:clrMapOvr>
     <a:masterClrMapping/>
   </p:clrMapOvr>
+  <p:timing>
+    <p:tnLst>
+      <p:par>
+        <p:cTn id="1" dur="indefinite" restart="never" nodeType="tmRoot"/>
+      </p:par>
+    </p:tnLst>
+  </p:timing>
 </p:sld>
 </file>
 
@@ -13256,7 +13358,7 @@
           <a:blip r:embed="rId3">
             <a:extLst>
               <a:ext uri="{28A0092B-C50C-407E-A947-70E740481C1C}">
-                <a14:useLocalDpi xmlns:a14="http://schemas.microsoft.com/office/drawing/2010/main" val="0"/>
+                <a14:useLocalDpi xmlns:a14="http://schemas.microsoft.com/office/drawing/2010/main" xmlns="" val="0"/>
               </a:ext>
             </a:extLst>
           </a:blip>
@@ -13337,7 +13439,7 @@
           <a:blip r:embed="rId4">
             <a:extLst>
               <a:ext uri="{28A0092B-C50C-407E-A947-70E740481C1C}">
-                <a14:useLocalDpi xmlns:a14="http://schemas.microsoft.com/office/drawing/2010/main" val="0"/>
+                <a14:useLocalDpi xmlns:a14="http://schemas.microsoft.com/office/drawing/2010/main" xmlns="" val="0"/>
               </a:ext>
             </a:extLst>
           </a:blip>
@@ -13880,14 +13982,22 @@
           <a:p>
             <a:pPr algn="ctr"/>
             <a:r>
-              <a:rPr lang="pt-BR" b="1" dirty="0" smtClean="0">
+              <a:rPr lang="pt-BR" sz="1200" b="1" dirty="0" smtClean="0">
                 <a:solidFill>
                   <a:schemeClr val="tx1"/>
                 </a:solidFill>
               </a:rPr>
-              <a:t>HTML - CSS</a:t>
-            </a:r>
-            <a:endParaRPr lang="pt-BR" b="1" dirty="0">
+              <a:t>HTML </a:t>
+            </a:r>
+            <a:r>
+              <a:rPr lang="pt-BR" sz="1200" b="1" dirty="0" smtClean="0">
+                <a:solidFill>
+                  <a:schemeClr val="tx1"/>
+                </a:solidFill>
+              </a:rPr>
+              <a:t>– CSS – ANGULAR JS</a:t>
+            </a:r>
+            <a:endParaRPr lang="pt-BR" sz="1200" b="1" dirty="0">
               <a:solidFill>
                 <a:schemeClr val="tx1"/>
               </a:solidFill>
@@ -13945,7 +14055,7 @@
                   <a:schemeClr val="tx1"/>
                 </a:solidFill>
               </a:rPr>
-              <a:t>ANGULAR JS</a:t>
+              <a:t>SPRING</a:t>
             </a:r>
             <a:endParaRPr lang="pt-BR" b="1" dirty="0">
               <a:solidFill>
@@ -14305,15 +14415,7 @@
                   <a:schemeClr val="tx1"/>
                 </a:solidFill>
               </a:rPr>
-              <a:t>ECLIPSE + JDK </a:t>
-            </a:r>
-            <a:r>
-              <a:rPr lang="pt-BR" b="1" dirty="0" smtClean="0">
-                <a:solidFill>
-                  <a:schemeClr val="tx1"/>
-                </a:solidFill>
-              </a:rPr>
-              <a:t>1.8</a:t>
+              <a:t>ECLIPSE + JDK 1.8</a:t>
             </a:r>
             <a:endParaRPr lang="pt-BR" b="1" dirty="0">
               <a:solidFill>
@@ -14662,13 +14764,20 @@
     </p:spTree>
     <p:extLst>
       <p:ext uri="{BB962C8B-B14F-4D97-AF65-F5344CB8AC3E}">
-        <p14:creationId xmlns:p14="http://schemas.microsoft.com/office/powerpoint/2010/main" val="2180081637"/>
+        <p14:creationId xmlns:p14="http://schemas.microsoft.com/office/powerpoint/2010/main" xmlns="" val="2180081637"/>
       </p:ext>
     </p:extLst>
   </p:cSld>
   <p:clrMapOvr>
     <a:masterClrMapping/>
   </p:clrMapOvr>
+  <p:timing>
+    <p:tnLst>
+      <p:par>
+        <p:cTn id="1" dur="indefinite" restart="never" nodeType="tmRoot"/>
+      </p:par>
+    </p:tnLst>
+  </p:timing>
 </p:sld>
 </file>
 
@@ -14744,7 +14853,7 @@
           <a:blip r:embed="rId3">
             <a:extLst>
               <a:ext uri="{28A0092B-C50C-407E-A947-70E740481C1C}">
-                <a14:useLocalDpi xmlns:a14="http://schemas.microsoft.com/office/drawing/2010/main" val="0"/>
+                <a14:useLocalDpi xmlns:a14="http://schemas.microsoft.com/office/drawing/2010/main" xmlns="" val="0"/>
               </a:ext>
             </a:extLst>
           </a:blip>
@@ -14825,7 +14934,7 @@
           <a:blip r:embed="rId4">
             <a:extLst>
               <a:ext uri="{28A0092B-C50C-407E-A947-70E740481C1C}">
-                <a14:useLocalDpi xmlns:a14="http://schemas.microsoft.com/office/drawing/2010/main" val="0"/>
+                <a14:useLocalDpi xmlns:a14="http://schemas.microsoft.com/office/drawing/2010/main" xmlns="" val="0"/>
               </a:ext>
             </a:extLst>
           </a:blip>
@@ -14850,7 +14959,7 @@
           <p:nvPr>
             <p:extLst>
               <p:ext uri="{D42A27DB-BD31-4B8C-83A1-F6EECF244321}">
-                <p14:modId xmlns:p14="http://schemas.microsoft.com/office/powerpoint/2010/main" val="1434646544"/>
+                <p14:modId xmlns:p14="http://schemas.microsoft.com/office/powerpoint/2010/main" xmlns="" val="1434646544"/>
               </p:ext>
             </p:extLst>
           </p:nvPr>
@@ -14868,13 +14977,20 @@
     </p:spTree>
     <p:extLst>
       <p:ext uri="{BB962C8B-B14F-4D97-AF65-F5344CB8AC3E}">
-        <p14:creationId xmlns:p14="http://schemas.microsoft.com/office/powerpoint/2010/main" val="118801339"/>
+        <p14:creationId xmlns:p14="http://schemas.microsoft.com/office/powerpoint/2010/main" xmlns="" val="118801339"/>
       </p:ext>
     </p:extLst>
   </p:cSld>
   <p:clrMapOvr>
     <a:masterClrMapping/>
   </p:clrMapOvr>
+  <p:timing>
+    <p:tnLst>
+      <p:par>
+        <p:cTn id="1" dur="indefinite" restart="never" nodeType="tmRoot"/>
+      </p:par>
+    </p:tnLst>
+  </p:timing>
 </p:sld>
 </file>
 
@@ -14950,7 +15066,7 @@
           <a:blip r:embed="rId3">
             <a:extLst>
               <a:ext uri="{28A0092B-C50C-407E-A947-70E740481C1C}">
-                <a14:useLocalDpi xmlns:a14="http://schemas.microsoft.com/office/drawing/2010/main" val="0"/>
+                <a14:useLocalDpi xmlns:a14="http://schemas.microsoft.com/office/drawing/2010/main" xmlns="" val="0"/>
               </a:ext>
             </a:extLst>
           </a:blip>
@@ -15031,7 +15147,7 @@
           <a:blip r:embed="rId4">
             <a:extLst>
               <a:ext uri="{28A0092B-C50C-407E-A947-70E740481C1C}">
-                <a14:useLocalDpi xmlns:a14="http://schemas.microsoft.com/office/drawing/2010/main" val="0"/>
+                <a14:useLocalDpi xmlns:a14="http://schemas.microsoft.com/office/drawing/2010/main" xmlns="" val="0"/>
               </a:ext>
             </a:extLst>
           </a:blip>
@@ -15052,7 +15168,7 @@
     </p:spTree>
     <p:extLst>
       <p:ext uri="{BB962C8B-B14F-4D97-AF65-F5344CB8AC3E}">
-        <p14:creationId xmlns:p14="http://schemas.microsoft.com/office/powerpoint/2010/main" val="1880941973"/>
+        <p14:creationId xmlns:p14="http://schemas.microsoft.com/office/powerpoint/2010/main" xmlns="" val="1880941973"/>
       </p:ext>
     </p:extLst>
   </p:cSld>
@@ -15134,7 +15250,7 @@
           <a:blip r:embed="rId3">
             <a:extLst>
               <a:ext uri="{28A0092B-C50C-407E-A947-70E740481C1C}">
-                <a14:useLocalDpi xmlns:a14="http://schemas.microsoft.com/office/drawing/2010/main" val="0"/>
+                <a14:useLocalDpi xmlns:a14="http://schemas.microsoft.com/office/drawing/2010/main" xmlns="" val="0"/>
               </a:ext>
             </a:extLst>
           </a:blip>
@@ -15215,7 +15331,7 @@
           <a:blip r:embed="rId4">
             <a:extLst>
               <a:ext uri="{28A0092B-C50C-407E-A947-70E740481C1C}">
-                <a14:useLocalDpi xmlns:a14="http://schemas.microsoft.com/office/drawing/2010/main" val="0"/>
+                <a14:useLocalDpi xmlns:a14="http://schemas.microsoft.com/office/drawing/2010/main" xmlns="" val="0"/>
               </a:ext>
             </a:extLst>
           </a:blip>
@@ -15278,7 +15394,7 @@
     </p:spTree>
     <p:extLst>
       <p:ext uri="{BB962C8B-B14F-4D97-AF65-F5344CB8AC3E}">
-        <p14:creationId xmlns:p14="http://schemas.microsoft.com/office/powerpoint/2010/main" val="1484852212"/>
+        <p14:creationId xmlns:p14="http://schemas.microsoft.com/office/powerpoint/2010/main" xmlns="" val="1484852212"/>
       </p:ext>
     </p:extLst>
   </p:cSld>
@@ -15317,7 +15433,7 @@
           <a:blip r:embed="rId3">
             <a:extLst>
               <a:ext uri="{28A0092B-C50C-407E-A947-70E740481C1C}">
-                <a14:useLocalDpi xmlns:a14="http://schemas.microsoft.com/office/drawing/2010/main" val="0"/>
+                <a14:useLocalDpi xmlns:a14="http://schemas.microsoft.com/office/drawing/2010/main" xmlns="" val="0"/>
               </a:ext>
             </a:extLst>
           </a:blip>
@@ -15398,7 +15514,7 @@
           <a:blip r:embed="rId4">
             <a:extLst>
               <a:ext uri="{28A0092B-C50C-407E-A947-70E740481C1C}">
-                <a14:useLocalDpi xmlns:a14="http://schemas.microsoft.com/office/drawing/2010/main" val="0"/>
+                <a14:useLocalDpi xmlns:a14="http://schemas.microsoft.com/office/drawing/2010/main" xmlns="" val="0"/>
               </a:ext>
             </a:extLst>
           </a:blip>
@@ -15531,7 +15647,7 @@
     </p:spTree>
     <p:extLst>
       <p:ext uri="{BB962C8B-B14F-4D97-AF65-F5344CB8AC3E}">
-        <p14:creationId xmlns:p14="http://schemas.microsoft.com/office/powerpoint/2010/main" val="482727266"/>
+        <p14:creationId xmlns:p14="http://schemas.microsoft.com/office/powerpoint/2010/main" xmlns="" val="482727266"/>
       </p:ext>
     </p:extLst>
   </p:cSld>
@@ -15570,7 +15686,7 @@
           <a:blip r:embed="rId3">
             <a:extLst>
               <a:ext uri="{28A0092B-C50C-407E-A947-70E740481C1C}">
-                <a14:useLocalDpi xmlns:a14="http://schemas.microsoft.com/office/drawing/2010/main" val="0"/>
+                <a14:useLocalDpi xmlns:a14="http://schemas.microsoft.com/office/drawing/2010/main" xmlns="" val="0"/>
               </a:ext>
             </a:extLst>
           </a:blip>
@@ -15651,7 +15767,7 @@
           <a:blip r:embed="rId4">
             <a:extLst>
               <a:ext uri="{28A0092B-C50C-407E-A947-70E740481C1C}">
-                <a14:useLocalDpi xmlns:a14="http://schemas.microsoft.com/office/drawing/2010/main" val="0"/>
+                <a14:useLocalDpi xmlns:a14="http://schemas.microsoft.com/office/drawing/2010/main" xmlns="" val="0"/>
               </a:ext>
             </a:extLst>
           </a:blip>
@@ -15896,7 +16012,7 @@
     </p:spTree>
     <p:extLst>
       <p:ext uri="{BB962C8B-B14F-4D97-AF65-F5344CB8AC3E}">
-        <p14:creationId xmlns:p14="http://schemas.microsoft.com/office/powerpoint/2010/main" val="2173115551"/>
+        <p14:creationId xmlns:p14="http://schemas.microsoft.com/office/powerpoint/2010/main" xmlns="" val="2173115551"/>
       </p:ext>
     </p:extLst>
   </p:cSld>
@@ -15935,7 +16051,7 @@
           <a:blip r:embed="rId3">
             <a:extLst>
               <a:ext uri="{28A0092B-C50C-407E-A947-70E740481C1C}">
-                <a14:useLocalDpi xmlns:a14="http://schemas.microsoft.com/office/drawing/2010/main" val="0"/>
+                <a14:useLocalDpi xmlns:a14="http://schemas.microsoft.com/office/drawing/2010/main" xmlns="" val="0"/>
               </a:ext>
             </a:extLst>
           </a:blip>
@@ -16016,7 +16132,7 @@
           <a:blip r:embed="rId4">
             <a:extLst>
               <a:ext uri="{28A0092B-C50C-407E-A947-70E740481C1C}">
-                <a14:useLocalDpi xmlns:a14="http://schemas.microsoft.com/office/drawing/2010/main" val="0"/>
+                <a14:useLocalDpi xmlns:a14="http://schemas.microsoft.com/office/drawing/2010/main" xmlns="" val="0"/>
               </a:ext>
             </a:extLst>
           </a:blip>
@@ -16261,7 +16377,7 @@
     </p:spTree>
     <p:extLst>
       <p:ext uri="{BB962C8B-B14F-4D97-AF65-F5344CB8AC3E}">
-        <p14:creationId xmlns:p14="http://schemas.microsoft.com/office/powerpoint/2010/main" val="3452790012"/>
+        <p14:creationId xmlns:p14="http://schemas.microsoft.com/office/powerpoint/2010/main" xmlns="" val="3452790012"/>
       </p:ext>
     </p:extLst>
   </p:cSld>
@@ -16398,7 +16514,7 @@
           <a:blip r:embed="rId2">
             <a:extLst>
               <a:ext uri="{28A0092B-C50C-407E-A947-70E740481C1C}">
-                <a14:useLocalDpi xmlns:a14="http://schemas.microsoft.com/office/drawing/2010/main" val="0"/>
+                <a14:useLocalDpi xmlns:a14="http://schemas.microsoft.com/office/drawing/2010/main" xmlns="" val="0"/>
               </a:ext>
             </a:extLst>
           </a:blip>
@@ -16419,13 +16535,20 @@
     </p:spTree>
     <p:extLst>
       <p:ext uri="{BB962C8B-B14F-4D97-AF65-F5344CB8AC3E}">
-        <p14:creationId xmlns:p14="http://schemas.microsoft.com/office/powerpoint/2010/main" val="46514002"/>
+        <p14:creationId xmlns:p14="http://schemas.microsoft.com/office/powerpoint/2010/main" xmlns="" val="46514002"/>
       </p:ext>
     </p:extLst>
   </p:cSld>
   <p:clrMapOvr>
     <a:masterClrMapping/>
   </p:clrMapOvr>
+  <p:timing>
+    <p:tnLst>
+      <p:par>
+        <p:cTn id="1" dur="indefinite" restart="never" nodeType="tmRoot"/>
+      </p:par>
+    </p:tnLst>
+  </p:timing>
 </p:sld>
 </file>
 
@@ -16556,7 +16679,7 @@
           <a:blip r:embed="rId2">
             <a:extLst>
               <a:ext uri="{28A0092B-C50C-407E-A947-70E740481C1C}">
-                <a14:useLocalDpi xmlns:a14="http://schemas.microsoft.com/office/drawing/2010/main" val="0"/>
+                <a14:useLocalDpi xmlns:a14="http://schemas.microsoft.com/office/drawing/2010/main" xmlns="" val="0"/>
               </a:ext>
             </a:extLst>
           </a:blip>
@@ -16577,7 +16700,7 @@
     </p:spTree>
     <p:extLst>
       <p:ext uri="{BB962C8B-B14F-4D97-AF65-F5344CB8AC3E}">
-        <p14:creationId xmlns:p14="http://schemas.microsoft.com/office/powerpoint/2010/main" val="3692799303"/>
+        <p14:creationId xmlns:p14="http://schemas.microsoft.com/office/powerpoint/2010/main" xmlns="" val="3692799303"/>
       </p:ext>
     </p:extLst>
   </p:cSld>
@@ -16683,7 +16806,7 @@
           <a:blip r:embed="rId4">
             <a:extLst>
               <a:ext uri="{28A0092B-C50C-407E-A947-70E740481C1C}">
-                <a14:useLocalDpi xmlns:a14="http://schemas.microsoft.com/office/drawing/2010/main" val="0"/>
+                <a14:useLocalDpi xmlns:a14="http://schemas.microsoft.com/office/drawing/2010/main" xmlns="" val="0"/>
               </a:ext>
             </a:extLst>
           </a:blip>
@@ -16779,13 +16902,20 @@
     </p:spTree>
     <p:extLst>
       <p:ext uri="{BB962C8B-B14F-4D97-AF65-F5344CB8AC3E}">
-        <p14:creationId xmlns:p14="http://schemas.microsoft.com/office/powerpoint/2010/main" val="2184489502"/>
+        <p14:creationId xmlns:p14="http://schemas.microsoft.com/office/powerpoint/2010/main" xmlns="" val="2184489502"/>
       </p:ext>
     </p:extLst>
   </p:cSld>
   <p:clrMapOvr>
     <a:masterClrMapping/>
   </p:clrMapOvr>
+  <p:timing>
+    <p:tnLst>
+      <p:par>
+        <p:cTn id="1" dur="indefinite" restart="never" nodeType="tmRoot"/>
+      </p:par>
+    </p:tnLst>
+  </p:timing>
 </p:sld>
 </file>
 
@@ -16861,7 +16991,7 @@
           <a:blip r:embed="rId3">
             <a:extLst>
               <a:ext uri="{28A0092B-C50C-407E-A947-70E740481C1C}">
-                <a14:useLocalDpi xmlns:a14="http://schemas.microsoft.com/office/drawing/2010/main" val="0"/>
+                <a14:useLocalDpi xmlns:a14="http://schemas.microsoft.com/office/drawing/2010/main" xmlns="" val="0"/>
               </a:ext>
             </a:extLst>
           </a:blip>
@@ -16942,7 +17072,7 @@
           <a:blip r:embed="rId4">
             <a:extLst>
               <a:ext uri="{28A0092B-C50C-407E-A947-70E740481C1C}">
-                <a14:useLocalDpi xmlns:a14="http://schemas.microsoft.com/office/drawing/2010/main" val="0"/>
+                <a14:useLocalDpi xmlns:a14="http://schemas.microsoft.com/office/drawing/2010/main" xmlns="" val="0"/>
               </a:ext>
             </a:extLst>
           </a:blip>
@@ -17072,13 +17202,20 @@
     </p:spTree>
     <p:extLst>
       <p:ext uri="{BB962C8B-B14F-4D97-AF65-F5344CB8AC3E}">
-        <p14:creationId xmlns:p14="http://schemas.microsoft.com/office/powerpoint/2010/main" val="1457420325"/>
+        <p14:creationId xmlns:p14="http://schemas.microsoft.com/office/powerpoint/2010/main" xmlns="" val="1457420325"/>
       </p:ext>
     </p:extLst>
   </p:cSld>
   <p:clrMapOvr>
     <a:masterClrMapping/>
   </p:clrMapOvr>
+  <p:timing>
+    <p:tnLst>
+      <p:par>
+        <p:cTn id="1" dur="indefinite" restart="never" nodeType="tmRoot"/>
+      </p:par>
+    </p:tnLst>
+  </p:timing>
 </p:sld>
 </file>
 
@@ -17154,7 +17291,7 @@
           <a:blip r:embed="rId3">
             <a:extLst>
               <a:ext uri="{28A0092B-C50C-407E-A947-70E740481C1C}">
-                <a14:useLocalDpi xmlns:a14="http://schemas.microsoft.com/office/drawing/2010/main" val="0"/>
+                <a14:useLocalDpi xmlns:a14="http://schemas.microsoft.com/office/drawing/2010/main" xmlns="" val="0"/>
               </a:ext>
             </a:extLst>
           </a:blip>
@@ -17235,7 +17372,7 @@
           <a:blip r:embed="rId4">
             <a:extLst>
               <a:ext uri="{28A0092B-C50C-407E-A947-70E740481C1C}">
-                <a14:useLocalDpi xmlns:a14="http://schemas.microsoft.com/office/drawing/2010/main" val="0"/>
+                <a14:useLocalDpi xmlns:a14="http://schemas.microsoft.com/office/drawing/2010/main" xmlns="" val="0"/>
               </a:ext>
             </a:extLst>
           </a:blip>
@@ -17326,13 +17463,20 @@
     </p:spTree>
     <p:extLst>
       <p:ext uri="{BB962C8B-B14F-4D97-AF65-F5344CB8AC3E}">
-        <p14:creationId xmlns:p14="http://schemas.microsoft.com/office/powerpoint/2010/main" val="3672766916"/>
+        <p14:creationId xmlns:p14="http://schemas.microsoft.com/office/powerpoint/2010/main" xmlns="" val="3672766916"/>
       </p:ext>
     </p:extLst>
   </p:cSld>
   <p:clrMapOvr>
     <a:masterClrMapping/>
   </p:clrMapOvr>
+  <p:timing>
+    <p:tnLst>
+      <p:par>
+        <p:cTn id="1" dur="indefinite" restart="never" nodeType="tmRoot"/>
+      </p:par>
+    </p:tnLst>
+  </p:timing>
 </p:sld>
 </file>
 
@@ -17408,7 +17552,7 @@
           <a:blip r:embed="rId3">
             <a:extLst>
               <a:ext uri="{28A0092B-C50C-407E-A947-70E740481C1C}">
-                <a14:useLocalDpi xmlns:a14="http://schemas.microsoft.com/office/drawing/2010/main" val="0"/>
+                <a14:useLocalDpi xmlns:a14="http://schemas.microsoft.com/office/drawing/2010/main" xmlns="" val="0"/>
               </a:ext>
             </a:extLst>
           </a:blip>
@@ -17489,7 +17633,7 @@
           <a:blip r:embed="rId4">
             <a:extLst>
               <a:ext uri="{28A0092B-C50C-407E-A947-70E740481C1C}">
-                <a14:useLocalDpi xmlns:a14="http://schemas.microsoft.com/office/drawing/2010/main" val="0"/>
+                <a14:useLocalDpi xmlns:a14="http://schemas.microsoft.com/office/drawing/2010/main" xmlns="" val="0"/>
               </a:ext>
             </a:extLst>
           </a:blip>
@@ -18093,13 +18237,20 @@
     </p:spTree>
     <p:extLst>
       <p:ext uri="{BB962C8B-B14F-4D97-AF65-F5344CB8AC3E}">
-        <p14:creationId xmlns:p14="http://schemas.microsoft.com/office/powerpoint/2010/main" val="3000406875"/>
+        <p14:creationId xmlns:p14="http://schemas.microsoft.com/office/powerpoint/2010/main" xmlns="" val="3000406875"/>
       </p:ext>
     </p:extLst>
   </p:cSld>
   <p:clrMapOvr>
     <a:masterClrMapping/>
   </p:clrMapOvr>
+  <p:timing>
+    <p:tnLst>
+      <p:par>
+        <p:cTn id="1" dur="indefinite" restart="never" nodeType="tmRoot"/>
+      </p:par>
+    </p:tnLst>
+  </p:timing>
 </p:sld>
 </file>
 
@@ -18175,7 +18326,7 @@
           <a:blip r:embed="rId3">
             <a:extLst>
               <a:ext uri="{28A0092B-C50C-407E-A947-70E740481C1C}">
-                <a14:useLocalDpi xmlns:a14="http://schemas.microsoft.com/office/drawing/2010/main" val="0"/>
+                <a14:useLocalDpi xmlns:a14="http://schemas.microsoft.com/office/drawing/2010/main" xmlns="" val="0"/>
               </a:ext>
             </a:extLst>
           </a:blip>
@@ -18256,7 +18407,7 @@
           <a:blip r:embed="rId4">
             <a:extLst>
               <a:ext uri="{28A0092B-C50C-407E-A947-70E740481C1C}">
-                <a14:useLocalDpi xmlns:a14="http://schemas.microsoft.com/office/drawing/2010/main" val="0"/>
+                <a14:useLocalDpi xmlns:a14="http://schemas.microsoft.com/office/drawing/2010/main" xmlns="" val="0"/>
               </a:ext>
             </a:extLst>
           </a:blip>
@@ -18281,7 +18432,7 @@
           <p:nvPr>
             <p:extLst>
               <p:ext uri="{D42A27DB-BD31-4B8C-83A1-F6EECF244321}">
-                <p14:modId xmlns:p14="http://schemas.microsoft.com/office/powerpoint/2010/main" val="1590583304"/>
+                <p14:modId xmlns:p14="http://schemas.microsoft.com/office/powerpoint/2010/main" xmlns="" val="1590583304"/>
               </p:ext>
             </p:extLst>
           </p:nvPr>
@@ -18299,13 +18450,20 @@
     </p:spTree>
     <p:extLst>
       <p:ext uri="{BB962C8B-B14F-4D97-AF65-F5344CB8AC3E}">
-        <p14:creationId xmlns:p14="http://schemas.microsoft.com/office/powerpoint/2010/main" val="3093263949"/>
+        <p14:creationId xmlns:p14="http://schemas.microsoft.com/office/powerpoint/2010/main" xmlns="" val="3093263949"/>
       </p:ext>
     </p:extLst>
   </p:cSld>
   <p:clrMapOvr>
     <a:masterClrMapping/>
   </p:clrMapOvr>
+  <p:timing>
+    <p:tnLst>
+      <p:par>
+        <p:cTn id="1" dur="indefinite" restart="never" nodeType="tmRoot"/>
+      </p:par>
+    </p:tnLst>
+  </p:timing>
 </p:sld>
 </file>
 
@@ -18338,7 +18496,7 @@
           <a:blip r:embed="rId3">
             <a:extLst>
               <a:ext uri="{28A0092B-C50C-407E-A947-70E740481C1C}">
-                <a14:useLocalDpi xmlns:a14="http://schemas.microsoft.com/office/drawing/2010/main" val="0"/>
+                <a14:useLocalDpi xmlns:a14="http://schemas.microsoft.com/office/drawing/2010/main" xmlns="" val="0"/>
               </a:ext>
             </a:extLst>
           </a:blip>
@@ -18419,7 +18577,7 @@
           <a:blip r:embed="rId4">
             <a:extLst>
               <a:ext uri="{28A0092B-C50C-407E-A947-70E740481C1C}">
-                <a14:useLocalDpi xmlns:a14="http://schemas.microsoft.com/office/drawing/2010/main" val="0"/>
+                <a14:useLocalDpi xmlns:a14="http://schemas.microsoft.com/office/drawing/2010/main" xmlns="" val="0"/>
               </a:ext>
             </a:extLst>
           </a:blip>
@@ -18501,13 +18659,20 @@
     </p:spTree>
     <p:extLst>
       <p:ext uri="{BB962C8B-B14F-4D97-AF65-F5344CB8AC3E}">
-        <p14:creationId xmlns:p14="http://schemas.microsoft.com/office/powerpoint/2010/main" val="4021193733"/>
+        <p14:creationId xmlns:p14="http://schemas.microsoft.com/office/powerpoint/2010/main" xmlns="" val="4021193733"/>
       </p:ext>
     </p:extLst>
   </p:cSld>
   <p:clrMapOvr>
     <a:masterClrMapping/>
   </p:clrMapOvr>
+  <p:timing>
+    <p:tnLst>
+      <p:par>
+        <p:cTn id="1" dur="indefinite" restart="never" nodeType="tmRoot"/>
+      </p:par>
+    </p:tnLst>
+  </p:timing>
 </p:sld>
 </file>
 
@@ -18540,7 +18705,7 @@
           <a:blip r:embed="rId3">
             <a:extLst>
               <a:ext uri="{28A0092B-C50C-407E-A947-70E740481C1C}">
-                <a14:useLocalDpi xmlns:a14="http://schemas.microsoft.com/office/drawing/2010/main" val="0"/>
+                <a14:useLocalDpi xmlns:a14="http://schemas.microsoft.com/office/drawing/2010/main" xmlns="" val="0"/>
               </a:ext>
             </a:extLst>
           </a:blip>
@@ -18621,7 +18786,7 @@
           <a:blip r:embed="rId4">
             <a:extLst>
               <a:ext uri="{28A0092B-C50C-407E-A947-70E740481C1C}">
-                <a14:useLocalDpi xmlns:a14="http://schemas.microsoft.com/office/drawing/2010/main" val="0"/>
+                <a14:useLocalDpi xmlns:a14="http://schemas.microsoft.com/office/drawing/2010/main" xmlns="" val="0"/>
               </a:ext>
             </a:extLst>
           </a:blip>
@@ -18647,8 +18812,8 @@
         </p:nvSpPr>
         <p:spPr>
           <a:xfrm>
-            <a:off x="136101" y="826829"/>
-            <a:ext cx="9577064" cy="369332"/>
+            <a:off x="0" y="560055"/>
+            <a:ext cx="9144000" cy="369332"/>
           </a:xfrm>
           <a:prstGeom prst="rect">
             <a:avLst/>
@@ -18660,9 +18825,10 @@
           </a:bodyPr>
           <a:lstStyle/>
           <a:p>
+            <a:pPr algn="ctr"/>
             <a:r>
               <a:rPr lang="pt-BR" dirty="0" smtClean="0"/>
-              <a:t>Método inserir com o Hibernate</a:t>
+              <a:t>Identidade no banco:</a:t>
             </a:r>
             <a:endParaRPr lang="pt-BR" dirty="0"/>
           </a:p>
@@ -18685,15 +18851,81 @@
         </p:blipFill>
         <p:spPr bwMode="auto">
           <a:xfrm>
-            <a:off x="1720277" y="1402894"/>
-            <a:ext cx="5688632" cy="3199856"/>
+            <a:off x="288032" y="992104"/>
+            <a:ext cx="8721497" cy="1104668"/>
           </a:xfrm>
           <a:prstGeom prst="rect">
             <a:avLst/>
           </a:prstGeom>
           <a:noFill/>
           <a:ln w="9525">
-            <a:noFill/>
+            <a:solidFill>
+              <a:schemeClr val="accent1"/>
+            </a:solidFill>
+            <a:miter lim="800000"/>
+            <a:headEnd/>
+            <a:tailEnd/>
+          </a:ln>
+        </p:spPr>
+      </p:pic>
+      <p:sp>
+        <p:nvSpPr>
+          <p:cNvPr id="9" name="Retângulo 4"/>
+          <p:cNvSpPr/>
+          <p:nvPr/>
+        </p:nvSpPr>
+        <p:spPr>
+          <a:xfrm>
+            <a:off x="0" y="2288248"/>
+            <a:ext cx="9144000" cy="369332"/>
+          </a:xfrm>
+          <a:prstGeom prst="rect">
+            <a:avLst/>
+          </a:prstGeom>
+        </p:spPr>
+        <p:txBody>
+          <a:bodyPr wrap="square">
+            <a:spAutoFit/>
+          </a:bodyPr>
+          <a:lstStyle/>
+          <a:p>
+            <a:pPr algn="ctr"/>
+            <a:r>
+              <a:rPr lang="pt-BR" dirty="0" smtClean="0"/>
+              <a:t>Identidade no Java:</a:t>
+            </a:r>
+            <a:endParaRPr lang="pt-BR" dirty="0"/>
+          </a:p>
+        </p:txBody>
+      </p:sp>
+      <p:pic>
+        <p:nvPicPr>
+          <p:cNvPr id="13" name="Picture 3"/>
+          <p:cNvPicPr>
+            <a:picLocks noChangeAspect="1" noChangeArrowheads="1"/>
+          </p:cNvPicPr>
+          <p:nvPr/>
+        </p:nvPicPr>
+        <p:blipFill>
+          <a:blip r:embed="rId6" cstate="print"/>
+          <a:srcRect/>
+          <a:stretch>
+            <a:fillRect/>
+          </a:stretch>
+        </p:blipFill>
+        <p:spPr bwMode="auto">
+          <a:xfrm>
+            <a:off x="3028600" y="2729588"/>
+            <a:ext cx="3240360" cy="2275788"/>
+          </a:xfrm>
+          <a:prstGeom prst="rect">
+            <a:avLst/>
+          </a:prstGeom>
+          <a:noFill/>
+          <a:ln w="9525">
+            <a:solidFill>
+              <a:schemeClr val="accent1"/>
+            </a:solidFill>
             <a:miter lim="800000"/>
             <a:headEnd/>
             <a:tailEnd/>
@@ -18703,13 +18935,20 @@
     </p:spTree>
     <p:extLst>
       <p:ext uri="{BB962C8B-B14F-4D97-AF65-F5344CB8AC3E}">
-        <p14:creationId xmlns:p14="http://schemas.microsoft.com/office/powerpoint/2010/main" val="4213659070"/>
+        <p14:creationId xmlns:p14="http://schemas.microsoft.com/office/powerpoint/2010/main" xmlns="" val="3175607738"/>
       </p:ext>
     </p:extLst>
   </p:cSld>
   <p:clrMapOvr>
     <a:masterClrMapping/>
   </p:clrMapOvr>
+  <p:timing>
+    <p:tnLst>
+      <p:par>
+        <p:cTn id="1" dur="indefinite" restart="never" nodeType="tmRoot"/>
+      </p:par>
+    </p:tnLst>
+  </p:timing>
 </p:sld>
 </file>
 
